--- a/lab3/presentation.pptx
+++ b/lab3/presentation.pptx
@@ -5,7 +5,7 @@
     <p:sldMasterId id="2147483650" r:id="rId3"/>
   </p:sldMasterIdLst>
   <p:notesMasterIdLst>
-    <p:notesMasterId r:id="rId27"/>
+    <p:notesMasterId r:id="rId28"/>
   </p:notesMasterIdLst>
   <p:sldIdLst>
     <p:sldId id="256" r:id="rId4"/>
@@ -31,6 +31,7 @@
     <p:sldId id="283" r:id="rId24"/>
     <p:sldId id="282" r:id="rId25"/>
     <p:sldId id="281" r:id="rId26"/>
+    <p:sldId id="289" r:id="rId27"/>
   </p:sldIdLst>
   <p:sldSz cx="9144000" cy="6858000" type="screen4x3"/>
   <p:notesSz cx="6858000" cy="9144000"/>
@@ -230,7 +231,7 @@
           <a:p>
             <a:fld id="{35D72536-C91D-4D81-869C-0013A7359684}" type="datetimeFigureOut">
               <a:rPr lang="en-US" smtClean="0"/>
-              <a:t>4/11/2016</a:t>
+              <a:t>4/13/2016</a:t>
             </a:fld>
             <a:endParaRPr lang="en-US"/>
           </a:p>
@@ -1858,6 +1859,91 @@
 </p:notes>
 </file>
 
+<file path=ppt/notesSlides/notesSlide24.xml><?xml version="1.0" encoding="utf-8"?>
+<p:notes xmlns:a="http://schemas.openxmlformats.org/drawingml/2006/main" xmlns:r="http://schemas.openxmlformats.org/officeDocument/2006/relationships" xmlns:p="http://schemas.openxmlformats.org/presentationml/2006/main">
+  <p:cSld>
+    <p:spTree>
+      <p:nvGrpSpPr>
+        <p:cNvPr id="1" name=""/>
+        <p:cNvGrpSpPr/>
+        <p:nvPr/>
+      </p:nvGrpSpPr>
+      <p:grpSpPr>
+        <a:xfrm>
+          <a:off x="0" y="0"/>
+          <a:ext cx="0" cy="0"/>
+          <a:chOff x="0" y="0"/>
+          <a:chExt cx="0" cy="0"/>
+        </a:xfrm>
+      </p:grpSpPr>
+      <p:sp>
+        <p:nvSpPr>
+          <p:cNvPr id="3" name="Notes Placeholder 2"/>
+          <p:cNvSpPr>
+            <a:spLocks noGrp="1"/>
+          </p:cNvSpPr>
+          <p:nvPr>
+            <p:ph type="body" idx="1"/>
+          </p:nvPr>
+        </p:nvSpPr>
+        <p:spPr/>
+        <p:txBody>
+          <a:bodyPr>
+            <a:normAutofit/>
+          </a:bodyPr>
+          <a:lstStyle/>
+          <a:p>
+            <a:pPr marL="228600" marR="0" indent="-228600" algn="l" defTabSz="914400" rtl="0" eaLnBrk="1" fontAlgn="auto" latinLnBrk="0" hangingPunct="1">
+              <a:lnSpc>
+                <a:spcPct val="100000"/>
+              </a:lnSpc>
+              <a:spcBef>
+                <a:spcPts val="0"/>
+              </a:spcBef>
+              <a:spcAft>
+                <a:spcPts val="0"/>
+              </a:spcAft>
+              <a:buClrTx/>
+              <a:buSzTx/>
+              <a:buFont typeface="+mj-lt"/>
+              <a:buNone/>
+              <a:tabLst/>
+              <a:defRPr/>
+            </a:pPr>
+            <a:endParaRPr lang="en-US" sz="1200" b="0" baseline="0" dirty="0" smtClean="0"/>
+          </a:p>
+        </p:txBody>
+      </p:sp>
+      <p:sp>
+        <p:nvSpPr>
+          <p:cNvPr id="6" name="Slide Image Placeholder 5"/>
+          <p:cNvSpPr>
+            <a:spLocks noGrp="1" noRot="1" noChangeAspect="1"/>
+          </p:cNvSpPr>
+          <p:nvPr>
+            <p:ph type="sldImg"/>
+          </p:nvPr>
+        </p:nvSpPr>
+        <p:spPr>
+          <a:xfrm>
+            <a:off x="533400" y="460375"/>
+            <a:ext cx="3144838" cy="2359025"/>
+          </a:xfrm>
+        </p:spPr>
+      </p:sp>
+    </p:spTree>
+    <p:extLst>
+      <p:ext uri="{BB962C8B-B14F-4D97-AF65-F5344CB8AC3E}">
+        <p14:creationId xmlns:p14="http://schemas.microsoft.com/office/powerpoint/2010/main" val="3457661831"/>
+      </p:ext>
+    </p:extLst>
+  </p:cSld>
+  <p:clrMapOvr>
+    <a:masterClrMapping/>
+  </p:clrMapOvr>
+</p:notes>
+</file>
+
 <file path=ppt/notesSlides/notesSlide3.xml><?xml version="1.0" encoding="utf-8"?>
 <p:notes xmlns:a="http://schemas.openxmlformats.org/drawingml/2006/main" xmlns:r="http://schemas.openxmlformats.org/officeDocument/2006/relationships" xmlns:p="http://schemas.openxmlformats.org/presentationml/2006/main">
   <p:cSld>
@@ -2634,7 +2720,7 @@
           <a:p>
             <a:fld id="{C8B07B57-E84C-4B9E-BD52-34ADD31C8206}" type="datetime1">
               <a:rPr lang="en-US" smtClean="0"/>
-              <a:t>4/11/2016</a:t>
+              <a:t>4/13/2016</a:t>
             </a:fld>
             <a:endParaRPr lang="en-US"/>
           </a:p>
@@ -2805,7 +2891,7 @@
           <a:p>
             <a:fld id="{2146D4BF-1F9B-45EC-AD07-8741C46B88FC}" type="datetime1">
               <a:rPr lang="en-US" smtClean="0"/>
-              <a:t>4/11/2016</a:t>
+              <a:t>4/13/2016</a:t>
             </a:fld>
             <a:endParaRPr lang="en-US"/>
           </a:p>
@@ -2986,7 +3072,7 @@
           <a:p>
             <a:fld id="{DEA6C67D-7664-4B95-8B02-5CAF71C19A57}" type="datetime1">
               <a:rPr lang="en-US" smtClean="0"/>
-              <a:t>4/11/2016</a:t>
+              <a:t>4/13/2016</a:t>
             </a:fld>
             <a:endParaRPr lang="en-US"/>
           </a:p>
@@ -3157,7 +3243,7 @@
           <a:p>
             <a:fld id="{E4C8CB83-A1F0-45C0-B5D9-D36604AD3C8E}" type="datetime1">
               <a:rPr lang="en-US" smtClean="0"/>
-              <a:t>4/11/2016</a:t>
+              <a:t>4/13/2016</a:t>
             </a:fld>
             <a:endParaRPr lang="en-US"/>
           </a:p>
@@ -3404,7 +3490,7 @@
           <a:p>
             <a:fld id="{5DCFCB1F-D29C-46E8-829E-6B7A28C4D403}" type="datetime1">
               <a:rPr lang="en-US" smtClean="0"/>
-              <a:t>4/11/2016</a:t>
+              <a:t>4/13/2016</a:t>
             </a:fld>
             <a:endParaRPr lang="en-US"/>
           </a:p>
@@ -3693,7 +3779,7 @@
           <a:p>
             <a:fld id="{4A203809-8265-4CB1-84EF-F22F235A71BA}" type="datetime1">
               <a:rPr lang="en-US" smtClean="0"/>
-              <a:t>4/11/2016</a:t>
+              <a:t>4/13/2016</a:t>
             </a:fld>
             <a:endParaRPr lang="en-US"/>
           </a:p>
@@ -4116,7 +4202,7 @@
           <a:p>
             <a:fld id="{D9E143C1-BFB7-460E-8E47-0371E08C06FF}" type="datetime1">
               <a:rPr lang="en-US" smtClean="0"/>
-              <a:t>4/11/2016</a:t>
+              <a:t>4/13/2016</a:t>
             </a:fld>
             <a:endParaRPr lang="en-US"/>
           </a:p>
@@ -4235,7 +4321,7 @@
           <a:p>
             <a:fld id="{A79CBA6B-9A0B-4D77-B294-3E82595E70C0}" type="datetime1">
               <a:rPr lang="en-US" smtClean="0"/>
-              <a:t>4/11/2016</a:t>
+              <a:t>4/13/2016</a:t>
             </a:fld>
             <a:endParaRPr lang="en-US"/>
           </a:p>
@@ -4331,7 +4417,7 @@
           <a:p>
             <a:fld id="{0D74E58E-9BC2-4E6C-BE4A-6CB4AA157A39}" type="datetime1">
               <a:rPr lang="en-US" smtClean="0"/>
-              <a:t>4/11/2016</a:t>
+              <a:t>4/13/2016</a:t>
             </a:fld>
             <a:endParaRPr lang="en-US"/>
           </a:p>
@@ -4609,7 +4695,7 @@
           <a:p>
             <a:fld id="{39DE1127-07F6-4045-BE9A-DAA3059B885D}" type="datetime1">
               <a:rPr lang="en-US" smtClean="0"/>
-              <a:t>4/11/2016</a:t>
+              <a:t>4/13/2016</a:t>
             </a:fld>
             <a:endParaRPr lang="en-US"/>
           </a:p>
@@ -4867,7 +4953,7 @@
           <a:p>
             <a:fld id="{75F161C7-3BDB-4B92-808A-B042433A9547}" type="datetime1">
               <a:rPr lang="en-US" smtClean="0"/>
-              <a:t>4/11/2016</a:t>
+              <a:t>4/13/2016</a:t>
             </a:fld>
             <a:endParaRPr lang="en-US"/>
           </a:p>
@@ -5081,7 +5167,7 @@
           <a:p>
             <a:fld id="{DAB947F8-6B48-4EAA-B7D2-456F8D36A871}" type="datetime1">
               <a:rPr lang="en-US" smtClean="0"/>
-              <a:t>4/11/2016</a:t>
+              <a:t>4/13/2016</a:t>
             </a:fld>
             <a:endParaRPr lang="en-US"/>
           </a:p>
@@ -5554,87 +5640,6 @@
           </a:fontRef>
         </p:style>
       </p:cxnSp>
-      <p:sp>
-        <p:nvSpPr>
-          <p:cNvPr id="11" name="Rectangle 10"/>
-          <p:cNvSpPr/>
-          <p:nvPr/>
-        </p:nvSpPr>
-        <p:spPr>
-          <a:xfrm>
-            <a:off x="1907704" y="1650661"/>
-            <a:ext cx="6984776" cy="1795483"/>
-          </a:xfrm>
-          <a:prstGeom prst="rect">
-            <a:avLst/>
-          </a:prstGeom>
-        </p:spPr>
-        <p:txBody>
-          <a:bodyPr wrap="square">
-            <a:spAutoFit/>
-          </a:bodyPr>
-          <a:lstStyle/>
-          <a:p>
-            <a:r>
-              <a:rPr lang="fr-FR" sz="3600" dirty="0" smtClean="0">
-                <a:latin typeface="Adobe Caslon Pro" panose="0205050205050A020403" pitchFamily="18" charset="0"/>
-              </a:rPr>
-              <a:t>Étude </a:t>
-            </a:r>
-            <a:r>
-              <a:rPr lang="fr-FR" sz="3600" dirty="0">
-                <a:latin typeface="Adobe Caslon Pro" panose="0205050205050A020403" pitchFamily="18" charset="0"/>
-              </a:rPr>
-              <a:t>de </a:t>
-            </a:r>
-            <a:r>
-              <a:rPr lang="fr-FR" sz="3600" dirty="0" smtClean="0">
-                <a:latin typeface="Adobe Caslon Pro" panose="0205050205050A020403" pitchFamily="18" charset="0"/>
-              </a:rPr>
-              <a:t>l’influence </a:t>
-            </a:r>
-            <a:r>
-              <a:rPr lang="fr-FR" sz="3600" dirty="0">
-                <a:latin typeface="Adobe Caslon Pro" panose="0205050205050A020403" pitchFamily="18" charset="0"/>
-              </a:rPr>
-              <a:t>de </a:t>
-            </a:r>
-            <a:r>
-              <a:rPr lang="fr-FR" sz="3600" dirty="0" smtClean="0">
-                <a:latin typeface="Adobe Caslon Pro" panose="0205050205050A020403" pitchFamily="18" charset="0"/>
-              </a:rPr>
-              <a:t>l’hétérogénéité </a:t>
-            </a:r>
-            <a:r>
-              <a:rPr lang="fr-FR" sz="3600" dirty="0">
-                <a:latin typeface="Adobe Caslon Pro" panose="0205050205050A020403" pitchFamily="18" charset="0"/>
-              </a:rPr>
-              <a:t>des logiciels d’un </a:t>
-            </a:r>
-            <a:r>
-              <a:rPr lang="fr-FR" sz="3600" dirty="0" smtClean="0">
-                <a:latin typeface="Adobe Caslon Pro" panose="0205050205050A020403" pitchFamily="18" charset="0"/>
-              </a:rPr>
-              <a:t>système </a:t>
-            </a:r>
-            <a:r>
-              <a:rPr lang="fr-FR" sz="3600" dirty="0">
-                <a:latin typeface="Adobe Caslon Pro" panose="0205050205050A020403" pitchFamily="18" charset="0"/>
-              </a:rPr>
-              <a:t>sur sa </a:t>
-            </a:r>
-            <a:r>
-              <a:rPr lang="fr-FR" sz="3600" dirty="0" smtClean="0">
-                <a:latin typeface="Adobe Caslon Pro" panose="0205050205050A020403" pitchFamily="18" charset="0"/>
-              </a:rPr>
-              <a:t>probabilité d’infection</a:t>
-            </a:r>
-            <a:endParaRPr lang="fr-FR" sz="3600" dirty="0">
-              <a:latin typeface="Adobe Caslon Pro" panose="0205050205050A020403" pitchFamily="18" charset="0"/>
-            </a:endParaRPr>
-          </a:p>
-        </p:txBody>
-      </p:sp>
       <p:pic>
         <p:nvPicPr>
           <p:cNvPr id="21" name="Image 20"/>
@@ -5740,6 +5745,180 @@
           </a:p>
         </p:txBody>
       </p:sp>
+      <p:sp>
+        <p:nvSpPr>
+          <p:cNvPr id="2" name="ZoneTexte 1"/>
+          <p:cNvSpPr txBox="1"/>
+          <p:nvPr/>
+        </p:nvSpPr>
+        <p:spPr>
+          <a:xfrm>
+            <a:off x="3086708" y="2449269"/>
+            <a:ext cx="4482752" cy="830997"/>
+          </a:xfrm>
+          <a:prstGeom prst="rect">
+            <a:avLst/>
+          </a:prstGeom>
+          <a:noFill/>
+        </p:spPr>
+        <p:txBody>
+          <a:bodyPr wrap="square" rtlCol="0">
+            <a:spAutoFit/>
+          </a:bodyPr>
+          <a:lstStyle/>
+          <a:p>
+            <a:pPr algn="ctr"/>
+            <a:r>
+              <a:rPr lang="fr-FR" sz="2400" dirty="0">
+                <a:latin typeface="Adobe Caslon Pro" panose="0205050205050A020403" pitchFamily="18" charset="0"/>
+              </a:rPr>
+              <a:t>comment la </a:t>
+            </a:r>
+            <a:r>
+              <a:rPr lang="fr-FR" sz="2400" b="1" dirty="0">
+                <a:latin typeface="Adobe Caslon Pro" panose="0205050205050A020403" pitchFamily="18" charset="0"/>
+              </a:rPr>
+              <a:t>Diversité</a:t>
+            </a:r>
+            <a:r>
+              <a:rPr lang="fr-FR" sz="2400" dirty="0">
+                <a:latin typeface="Adobe Caslon Pro" panose="0205050205050A020403" pitchFamily="18" charset="0"/>
+              </a:rPr>
+              <a:t> peut </a:t>
+            </a:r>
+            <a:r>
+              <a:rPr lang="fr-FR" sz="2400" b="1" dirty="0">
+                <a:latin typeface="Adobe Caslon Pro" panose="0205050205050A020403" pitchFamily="18" charset="0"/>
+              </a:rPr>
+              <a:t>Nuire</a:t>
+            </a:r>
+            <a:r>
+              <a:rPr lang="fr-FR" sz="2400" dirty="0">
+                <a:latin typeface="Adobe Caslon Pro" panose="0205050205050A020403" pitchFamily="18" charset="0"/>
+              </a:rPr>
+              <a:t> aux </a:t>
+            </a:r>
+            <a:r>
+              <a:rPr lang="fr-FR" sz="2400" b="1" dirty="0" smtClean="0">
+                <a:latin typeface="Adobe Caslon Pro" panose="0205050205050A020403" pitchFamily="18" charset="0"/>
+              </a:rPr>
+              <a:t>Attaquants</a:t>
+            </a:r>
+            <a:endParaRPr lang="fr-FR" sz="2400" b="1" dirty="0">
+              <a:latin typeface="Adobe Caslon Pro" panose="0205050205050A020403" pitchFamily="18" charset="0"/>
+            </a:endParaRPr>
+          </a:p>
+        </p:txBody>
+      </p:sp>
+      <p:grpSp>
+        <p:nvGrpSpPr>
+          <p:cNvPr id="5" name="Groupe 4"/>
+          <p:cNvGrpSpPr/>
+          <p:nvPr/>
+        </p:nvGrpSpPr>
+        <p:grpSpPr>
+          <a:xfrm>
+            <a:off x="1835696" y="1294700"/>
+            <a:ext cx="6984776" cy="1107996"/>
+            <a:chOff x="1835696" y="1488706"/>
+            <a:chExt cx="6984776" cy="1107996"/>
+          </a:xfrm>
+        </p:grpSpPr>
+        <p:sp>
+          <p:nvSpPr>
+            <p:cNvPr id="11" name="Rectangle 10"/>
+            <p:cNvSpPr/>
+            <p:nvPr/>
+          </p:nvSpPr>
+          <p:spPr>
+            <a:xfrm>
+              <a:off x="1835696" y="1488706"/>
+              <a:ext cx="6984776" cy="1107996"/>
+            </a:xfrm>
+            <a:prstGeom prst="rect">
+              <a:avLst/>
+            </a:prstGeom>
+          </p:spPr>
+          <p:txBody>
+            <a:bodyPr wrap="square">
+              <a:spAutoFit/>
+            </a:bodyPr>
+            <a:lstStyle/>
+            <a:p>
+              <a:pPr algn="ctr"/>
+              <a:r>
+                <a:rPr lang="fr-FR" sz="6600" dirty="0" smtClean="0">
+                  <a:latin typeface="Adobe Caslon Pro" panose="0205050205050A020403" pitchFamily="18" charset="0"/>
+                </a:rPr>
+                <a:t>DNA </a:t>
+              </a:r>
+              <a:endParaRPr lang="fr-FR" sz="3600" dirty="0">
+                <a:latin typeface="Adobe Caslon Pro" panose="0205050205050A020403" pitchFamily="18" charset="0"/>
+              </a:endParaRPr>
+            </a:p>
+          </p:txBody>
+        </p:sp>
+        <p:pic>
+          <p:nvPicPr>
+            <p:cNvPr id="3" name="Image 2"/>
+            <p:cNvPicPr>
+              <a:picLocks noChangeAspect="1"/>
+            </p:cNvPicPr>
+            <p:nvPr/>
+          </p:nvPicPr>
+          <p:blipFill>
+            <a:blip r:embed="rId5">
+              <a:extLst>
+                <a:ext uri="{28A0092B-C50C-407E-A947-70E740481C1C}">
+                  <a14:useLocalDpi xmlns:a14="http://schemas.microsoft.com/office/drawing/2010/main" val="0"/>
+                </a:ext>
+              </a:extLst>
+            </a:blip>
+            <a:stretch>
+              <a:fillRect/>
+            </a:stretch>
+          </p:blipFill>
+          <p:spPr>
+            <a:xfrm>
+              <a:off x="1979712" y="1594988"/>
+              <a:ext cx="2238581" cy="895432"/>
+            </a:xfrm>
+            <a:prstGeom prst="rect">
+              <a:avLst/>
+            </a:prstGeom>
+          </p:spPr>
+        </p:pic>
+        <p:pic>
+          <p:nvPicPr>
+            <p:cNvPr id="9" name="Image 8"/>
+            <p:cNvPicPr>
+              <a:picLocks noChangeAspect="1"/>
+            </p:cNvPicPr>
+            <p:nvPr/>
+          </p:nvPicPr>
+          <p:blipFill>
+            <a:blip r:embed="rId5">
+              <a:extLst>
+                <a:ext uri="{28A0092B-C50C-407E-A947-70E740481C1C}">
+                  <a14:useLocalDpi xmlns:a14="http://schemas.microsoft.com/office/drawing/2010/main" val="0"/>
+                </a:ext>
+              </a:extLst>
+            </a:blip>
+            <a:stretch>
+              <a:fillRect/>
+            </a:stretch>
+          </p:blipFill>
+          <p:spPr>
+            <a:xfrm>
+              <a:off x="6297025" y="1596806"/>
+              <a:ext cx="2238581" cy="895432"/>
+            </a:xfrm>
+            <a:prstGeom prst="rect">
+              <a:avLst/>
+            </a:prstGeom>
+          </p:spPr>
+        </p:pic>
+      </p:grpSp>
     </p:spTree>
     <p:extLst>
       <p:ext uri="{BB962C8B-B14F-4D97-AF65-F5344CB8AC3E}">
@@ -6050,8 +6229,8 @@
           </a:p>
         </p:txBody>
       </p:sp>
-      <mc:AlternateContent xmlns:mc="http://schemas.openxmlformats.org/markup-compatibility/2006">
-        <mc:Choice xmlns:a14="http://schemas.microsoft.com/office/drawing/2010/main" Requires="a14">
+      <mc:AlternateContent xmlns:mc="http://schemas.openxmlformats.org/markup-compatibility/2006" xmlns:a14="http://schemas.microsoft.com/office/drawing/2010/main">
+        <mc:Choice Requires="a14">
           <p:sp>
             <p:nvSpPr>
               <p:cNvPr id="11" name="ZoneTexte 10"/>
@@ -6153,7 +6332,7 @@
             </p:txBody>
           </p:sp>
         </mc:Choice>
-        <mc:Fallback>
+        <mc:Fallback xmlns="">
           <p:sp>
             <p:nvSpPr>
               <p:cNvPr id="11" name="ZoneTexte 10"/>
@@ -6192,8 +6371,8 @@
           </p:sp>
         </mc:Fallback>
       </mc:AlternateContent>
-      <mc:AlternateContent xmlns:mc="http://schemas.openxmlformats.org/markup-compatibility/2006">
-        <mc:Choice xmlns:a14="http://schemas.microsoft.com/office/drawing/2010/main" Requires="a14">
+      <mc:AlternateContent xmlns:mc="http://schemas.openxmlformats.org/markup-compatibility/2006" xmlns:a14="http://schemas.microsoft.com/office/drawing/2010/main">
+        <mc:Choice Requires="a14">
           <p:sp>
             <p:nvSpPr>
               <p:cNvPr id="5" name="Rectangle 4"/>
@@ -6531,7 +6710,7 @@
             </p:txBody>
           </p:sp>
         </mc:Choice>
-        <mc:Fallback>
+        <mc:Fallback xmlns="">
           <p:sp>
             <p:nvSpPr>
               <p:cNvPr id="5" name="Rectangle 4"/>
@@ -6570,8 +6749,8 @@
           </p:sp>
         </mc:Fallback>
       </mc:AlternateContent>
-      <mc:AlternateContent xmlns:mc="http://schemas.openxmlformats.org/markup-compatibility/2006">
-        <mc:Choice xmlns:a14="http://schemas.microsoft.com/office/drawing/2010/main" Requires="a14">
+      <mc:AlternateContent xmlns:mc="http://schemas.openxmlformats.org/markup-compatibility/2006" xmlns:a14="http://schemas.microsoft.com/office/drawing/2010/main">
+        <mc:Choice Requires="a14">
           <p:sp>
             <p:nvSpPr>
               <p:cNvPr id="6" name="Rectangle 5"/>
@@ -7336,7 +7515,7 @@
             </p:txBody>
           </p:sp>
         </mc:Choice>
-        <mc:Fallback>
+        <mc:Fallback xmlns="">
           <p:sp>
             <p:nvSpPr>
               <p:cNvPr id="6" name="Rectangle 5"/>
@@ -7809,8 +7988,8 @@
           </a:p>
         </p:txBody>
       </p:sp>
-      <mc:AlternateContent xmlns:mc="http://schemas.openxmlformats.org/markup-compatibility/2006">
-        <mc:Choice xmlns:a14="http://schemas.microsoft.com/office/drawing/2010/main" Requires="a14">
+      <mc:AlternateContent xmlns:mc="http://schemas.openxmlformats.org/markup-compatibility/2006" xmlns:a14="http://schemas.microsoft.com/office/drawing/2010/main">
+        <mc:Choice Requires="a14">
           <p:sp>
             <p:nvSpPr>
               <p:cNvPr id="3" name="ZoneTexte 2"/>
@@ -8109,7 +8288,7 @@
             </p:txBody>
           </p:sp>
         </mc:Choice>
-        <mc:Fallback>
+        <mc:Fallback xmlns="">
           <p:sp>
             <p:nvSpPr>
               <p:cNvPr id="3" name="ZoneTexte 2"/>
@@ -8148,1801 +8327,8 @@
           </p:sp>
         </mc:Fallback>
       </mc:AlternateContent>
-      <mc:AlternateContent xmlns:mc="http://schemas.openxmlformats.org/markup-compatibility/2006">
-        <mc:Choice xmlns:a14="http://schemas.microsoft.com/office/drawing/2010/main" Requires="a14">
-          <p:sp>
-            <p:nvSpPr>
-              <p:cNvPr id="11" name="ZoneTexte 10"/>
-              <p:cNvSpPr txBox="1"/>
-              <p:nvPr/>
-            </p:nvSpPr>
-            <p:spPr>
-              <a:xfrm>
-                <a:off x="9551876" y="529831"/>
-                <a:ext cx="7416824" cy="5903539"/>
-              </a:xfrm>
-              <a:prstGeom prst="rect">
-                <a:avLst/>
-              </a:prstGeom>
-              <a:noFill/>
-            </p:spPr>
-            <p:txBody>
-              <a:bodyPr wrap="square" lIns="0" tIns="0" rIns="0" bIns="0" rtlCol="0">
-                <a:spAutoFit/>
-              </a:bodyPr>
-              <a:lstStyle/>
-              <a:p>
-                <a:pPr marL="285750" indent="-285750">
-                  <a:buFont typeface="Arial" panose="020B0604020202020204" pitchFamily="34" charset="0"/>
-                  <a:buChar char="•"/>
-                </a:pPr>
-                <a:r>
-                  <a:rPr lang="en-CA" b="0" dirty="0" smtClean="0"/>
-                  <a:t>On pose T </a:t>
-                </a:r>
-                <a:r>
-                  <a:rPr lang="en-CA" b="0" dirty="0" err="1" smtClean="0"/>
-                  <a:t>comme</a:t>
-                </a:r>
-                <a:r>
-                  <a:rPr lang="en-CA" b="0" dirty="0" smtClean="0"/>
-                  <a:t> </a:t>
-                </a:r>
-                <a:r>
-                  <a:rPr lang="en-CA" b="0" dirty="0" err="1" smtClean="0"/>
-                  <a:t>l’ancienneté</a:t>
-                </a:r>
-                <a:r>
-                  <a:rPr lang="en-CA" b="0" dirty="0" smtClean="0"/>
-                  <a:t> </a:t>
-                </a:r>
-                <a:r>
-                  <a:rPr lang="en-CA" b="0" dirty="0" err="1" smtClean="0"/>
-                  <a:t>moyenne</a:t>
-                </a:r>
-                <a:r>
-                  <a:rPr lang="en-CA" b="0" dirty="0" smtClean="0"/>
-                  <a:t> des versions du </a:t>
-                </a:r>
-                <a:r>
-                  <a:rPr lang="en-CA" b="0" dirty="0" err="1" smtClean="0"/>
-                  <a:t>système</a:t>
-                </a:r>
-                <a:r>
-                  <a:rPr lang="en-CA" b="0" dirty="0" smtClean="0"/>
-                  <a:t> :</a:t>
-                </a:r>
-                <a:r>
-                  <a:rPr lang="en-CA" b="0" dirty="0" smtClean="0">
-                    <a:solidFill>
-                      <a:schemeClr val="accent1">
-                        <a:lumMod val="50000"/>
-                      </a:schemeClr>
-                    </a:solidFill>
-                  </a:rPr>
-                  <a:t/>
-                </a:r>
-                <a:br>
-                  <a:rPr lang="en-CA" b="0" dirty="0" smtClean="0">
-                    <a:solidFill>
-                      <a:schemeClr val="accent1">
-                        <a:lumMod val="50000"/>
-                      </a:schemeClr>
-                    </a:solidFill>
-                  </a:rPr>
-                </a:br>
-                <a14:m>
-                  <m:oMath xmlns:m="http://schemas.openxmlformats.org/officeDocument/2006/math">
-                    <m:r>
-                      <a:rPr lang="en-CA" b="0" i="1" smtClean="0">
-                        <a:solidFill>
-                          <a:schemeClr val="accent1">
-                            <a:lumMod val="50000"/>
-                          </a:schemeClr>
-                        </a:solidFill>
-                        <a:latin typeface="Cambria Math" panose="02040503050406030204" pitchFamily="18" charset="0"/>
-                      </a:rPr>
-                      <m:t>𝑇</m:t>
-                    </m:r>
-                    <m:r>
-                      <a:rPr lang="en-CA" b="0" i="1" smtClean="0">
-                        <a:solidFill>
-                          <a:schemeClr val="accent1">
-                            <a:lumMod val="50000"/>
-                          </a:schemeClr>
-                        </a:solidFill>
-                        <a:latin typeface="Cambria Math" panose="02040503050406030204" pitchFamily="18" charset="0"/>
-                      </a:rPr>
-                      <m:t>=</m:t>
-                    </m:r>
-                    <m:nary>
-                      <m:naryPr>
-                        <m:chr m:val="∑"/>
-                        <m:ctrlPr>
-                          <a:rPr lang="en-CA" b="0" i="1" smtClean="0">
-                            <a:solidFill>
-                              <a:schemeClr val="accent1">
-                                <a:lumMod val="50000"/>
-                              </a:schemeClr>
-                            </a:solidFill>
-                            <a:latin typeface="Cambria Math" panose="02040503050406030204" pitchFamily="18" charset="0"/>
-                          </a:rPr>
-                        </m:ctrlPr>
-                      </m:naryPr>
-                      <m:sub>
-                        <m:r>
-                          <m:rPr>
-                            <m:brk m:alnAt="23"/>
-                          </m:rPr>
-                          <a:rPr lang="en-CA" b="0" i="1" smtClean="0">
-                            <a:solidFill>
-                              <a:schemeClr val="accent1">
-                                <a:lumMod val="50000"/>
-                              </a:schemeClr>
-                            </a:solidFill>
-                            <a:latin typeface="Cambria Math" panose="02040503050406030204" pitchFamily="18" charset="0"/>
-                          </a:rPr>
-                          <m:t>𝑖</m:t>
-                        </m:r>
-                        <m:r>
-                          <a:rPr lang="en-CA" b="0" i="1" smtClean="0">
-                            <a:solidFill>
-                              <a:schemeClr val="accent1">
-                                <a:lumMod val="50000"/>
-                              </a:schemeClr>
-                            </a:solidFill>
-                            <a:latin typeface="Cambria Math" panose="02040503050406030204" pitchFamily="18" charset="0"/>
-                          </a:rPr>
-                          <m:t>=1</m:t>
-                        </m:r>
-                      </m:sub>
-                      <m:sup>
-                        <m:r>
-                          <a:rPr lang="en-CA" b="0" i="1" smtClean="0">
-                            <a:solidFill>
-                              <a:schemeClr val="accent1">
-                                <a:lumMod val="50000"/>
-                              </a:schemeClr>
-                            </a:solidFill>
-                            <a:latin typeface="Cambria Math" panose="02040503050406030204" pitchFamily="18" charset="0"/>
-                          </a:rPr>
-                          <m:t>𝑛</m:t>
-                        </m:r>
-                      </m:sup>
-                      <m:e>
-                        <m:sSub>
-                          <m:sSubPr>
-                            <m:ctrlPr>
-                              <a:rPr lang="en-CA" b="0" i="1" smtClean="0">
-                                <a:solidFill>
-                                  <a:schemeClr val="accent1">
-                                    <a:lumMod val="50000"/>
-                                  </a:schemeClr>
-                                </a:solidFill>
-                                <a:latin typeface="Cambria Math" panose="02040503050406030204" pitchFamily="18" charset="0"/>
-                              </a:rPr>
-                            </m:ctrlPr>
-                          </m:sSubPr>
-                          <m:e>
-                            <m:r>
-                              <a:rPr lang="en-CA" b="0" i="1" smtClean="0">
-                                <a:solidFill>
-                                  <a:schemeClr val="accent1">
-                                    <a:lumMod val="50000"/>
-                                  </a:schemeClr>
-                                </a:solidFill>
-                                <a:latin typeface="Cambria Math" panose="02040503050406030204" pitchFamily="18" charset="0"/>
-                              </a:rPr>
-                              <m:t>𝑝</m:t>
-                            </m:r>
-                          </m:e>
-                          <m:sub>
-                            <m:r>
-                              <a:rPr lang="en-CA" b="0" i="1" smtClean="0">
-                                <a:solidFill>
-                                  <a:schemeClr val="accent1">
-                                    <a:lumMod val="50000"/>
-                                  </a:schemeClr>
-                                </a:solidFill>
-                                <a:latin typeface="Cambria Math" panose="02040503050406030204" pitchFamily="18" charset="0"/>
-                              </a:rPr>
-                              <m:t>𝑖</m:t>
-                            </m:r>
-                          </m:sub>
-                        </m:sSub>
-                        <m:r>
-                          <a:rPr lang="en-CA" b="0" i="1" smtClean="0">
-                            <a:solidFill>
-                              <a:schemeClr val="accent1">
-                                <a:lumMod val="50000"/>
-                              </a:schemeClr>
-                            </a:solidFill>
-                            <a:latin typeface="Cambria Math" panose="02040503050406030204" pitchFamily="18" charset="0"/>
-                          </a:rPr>
-                          <m:t>∗</m:t>
-                        </m:r>
-                        <m:sSub>
-                          <m:sSubPr>
-                            <m:ctrlPr>
-                              <a:rPr lang="en-CA" b="0" i="1" smtClean="0">
-                                <a:solidFill>
-                                  <a:schemeClr val="accent1">
-                                    <a:lumMod val="50000"/>
-                                  </a:schemeClr>
-                                </a:solidFill>
-                                <a:latin typeface="Cambria Math" panose="02040503050406030204" pitchFamily="18" charset="0"/>
-                              </a:rPr>
-                            </m:ctrlPr>
-                          </m:sSubPr>
-                          <m:e>
-                            <m:r>
-                              <a:rPr lang="en-CA" b="0" i="1" smtClean="0">
-                                <a:solidFill>
-                                  <a:schemeClr val="accent1">
-                                    <a:lumMod val="50000"/>
-                                  </a:schemeClr>
-                                </a:solidFill>
-                                <a:latin typeface="Cambria Math" panose="02040503050406030204" pitchFamily="18" charset="0"/>
-                              </a:rPr>
-                              <m:t>𝑇</m:t>
-                            </m:r>
-                          </m:e>
-                          <m:sub>
-                            <m:r>
-                              <a:rPr lang="en-CA" b="0" i="1" smtClean="0">
-                                <a:solidFill>
-                                  <a:schemeClr val="accent1">
-                                    <a:lumMod val="50000"/>
-                                  </a:schemeClr>
-                                </a:solidFill>
-                                <a:latin typeface="Cambria Math" panose="02040503050406030204" pitchFamily="18" charset="0"/>
-                              </a:rPr>
-                              <m:t>𝑖</m:t>
-                            </m:r>
-                          </m:sub>
-                        </m:sSub>
-                      </m:e>
-                    </m:nary>
-                    <m:r>
-                      <a:rPr lang="en-CA" b="0" i="1" smtClean="0">
-                        <a:solidFill>
-                          <a:schemeClr val="accent1">
-                            <a:lumMod val="50000"/>
-                          </a:schemeClr>
-                        </a:solidFill>
-                        <a:latin typeface="Cambria Math" panose="02040503050406030204" pitchFamily="18" charset="0"/>
-                      </a:rPr>
-                      <m:t>	</m:t>
-                    </m:r>
-                  </m:oMath>
-                </a14:m>
-                <a:endParaRPr lang="en-CA" b="0" dirty="0" smtClean="0">
-                  <a:solidFill>
-                    <a:schemeClr val="accent1">
-                      <a:lumMod val="50000"/>
-                    </a:schemeClr>
-                  </a:solidFill>
-                </a:endParaRPr>
-              </a:p>
-              <a:p>
-                <a:pPr marL="285750" indent="-285750">
-                  <a:buFont typeface="Arial" panose="020B0604020202020204" pitchFamily="34" charset="0"/>
-                  <a:buChar char="•"/>
-                </a:pPr>
-                <a:r>
-                  <a:rPr lang="en-CA" dirty="0" smtClean="0"/>
-                  <a:t>On fait </a:t>
-                </a:r>
-                <a:r>
-                  <a:rPr lang="en-CA" dirty="0" err="1" smtClean="0"/>
-                  <a:t>l’hypothèse</a:t>
-                </a:r>
-                <a:r>
-                  <a:rPr lang="en-CA" dirty="0" smtClean="0"/>
-                  <a:t> :</a:t>
-                </a:r>
-              </a:p>
-              <a:p>
-                <a:pPr/>
-                <a:r>
-                  <a:rPr lang="en-CA" b="0" dirty="0">
-                    <a:solidFill>
-                      <a:schemeClr val="accent1">
-                        <a:lumMod val="50000"/>
-                      </a:schemeClr>
-                    </a:solidFill>
-                  </a:rPr>
-                  <a:t/>
-                </a:r>
-                <a:br>
-                  <a:rPr lang="en-CA" b="0" dirty="0">
-                    <a:solidFill>
-                      <a:schemeClr val="accent1">
-                        <a:lumMod val="50000"/>
-                      </a:schemeClr>
-                    </a:solidFill>
-                  </a:rPr>
-                </a:br>
-                <a14:m>
-                  <m:oMathPara xmlns:m="http://schemas.openxmlformats.org/officeDocument/2006/math">
-                    <m:oMathParaPr>
-                      <m:jc m:val="centerGroup"/>
-                    </m:oMathParaPr>
-                    <m:oMath xmlns:m="http://schemas.openxmlformats.org/officeDocument/2006/math">
-                      <m:sSub>
-                        <m:sSubPr>
-                          <m:ctrlPr>
-                            <a:rPr lang="en-CA" b="0" i="1" smtClean="0">
-                              <a:solidFill>
-                                <a:schemeClr val="accent1">
-                                  <a:lumMod val="50000"/>
-                                </a:schemeClr>
-                              </a:solidFill>
-                              <a:latin typeface="Cambria Math" panose="02040503050406030204" pitchFamily="18" charset="0"/>
-                            </a:rPr>
-                          </m:ctrlPr>
-                        </m:sSubPr>
-                        <m:e>
-                          <m:r>
-                            <a:rPr lang="en-CA" b="0" i="1" smtClean="0">
-                              <a:solidFill>
-                                <a:schemeClr val="accent1">
-                                  <a:lumMod val="50000"/>
-                                </a:schemeClr>
-                              </a:solidFill>
-                              <a:latin typeface="Cambria Math" panose="02040503050406030204" pitchFamily="18" charset="0"/>
-                            </a:rPr>
-                            <m:t>𝑁</m:t>
-                          </m:r>
-                        </m:e>
-                        <m:sub>
-                          <m:r>
-                            <a:rPr lang="en-CA" b="0" i="1" smtClean="0">
-                              <a:solidFill>
-                                <a:schemeClr val="accent1">
-                                  <a:lumMod val="50000"/>
-                                </a:schemeClr>
-                              </a:solidFill>
-                              <a:latin typeface="Cambria Math" panose="02040503050406030204" pitchFamily="18" charset="0"/>
-                            </a:rPr>
-                            <m:t>𝑖𝑛𝑓𝑒𝑐𝑡𝑖𝑜𝑛</m:t>
-                          </m:r>
-                        </m:sub>
-                      </m:sSub>
-                      <m:r>
-                        <a:rPr lang="en-CA" b="0" i="1" smtClean="0">
-                          <a:solidFill>
-                            <a:schemeClr val="accent1">
-                              <a:lumMod val="50000"/>
-                            </a:schemeClr>
-                          </a:solidFill>
-                          <a:latin typeface="Cambria Math" panose="02040503050406030204" pitchFamily="18" charset="0"/>
-                        </a:rPr>
-                        <m:t>=</m:t>
-                      </m:r>
-                      <m:r>
-                        <a:rPr lang="en-CA" b="0" i="1" smtClean="0">
-                          <a:solidFill>
-                            <a:schemeClr val="accent1">
-                              <a:lumMod val="50000"/>
-                            </a:schemeClr>
-                          </a:solidFill>
-                          <a:latin typeface="Cambria Math" panose="02040503050406030204" pitchFamily="18" charset="0"/>
-                        </a:rPr>
-                        <m:t>𝑓</m:t>
-                      </m:r>
-                      <m:d>
-                        <m:dPr>
-                          <m:ctrlPr>
-                            <a:rPr lang="en-CA" b="0" i="1" smtClean="0">
-                              <a:solidFill>
-                                <a:schemeClr val="accent1">
-                                  <a:lumMod val="50000"/>
-                                </a:schemeClr>
-                              </a:solidFill>
-                              <a:latin typeface="Cambria Math" panose="02040503050406030204" pitchFamily="18" charset="0"/>
-                            </a:rPr>
-                          </m:ctrlPr>
-                        </m:dPr>
-                        <m:e>
-                          <m:r>
-                            <a:rPr lang="en-CA" b="0" i="1" smtClean="0">
-                              <a:solidFill>
-                                <a:schemeClr val="accent1">
-                                  <a:lumMod val="50000"/>
-                                </a:schemeClr>
-                              </a:solidFill>
-                              <a:latin typeface="Cambria Math" panose="02040503050406030204" pitchFamily="18" charset="0"/>
-                            </a:rPr>
-                            <m:t>𝐻</m:t>
-                          </m:r>
-                          <m:r>
-                            <a:rPr lang="en-CA" b="0" i="1" smtClean="0">
-                              <a:solidFill>
-                                <a:schemeClr val="accent1">
-                                  <a:lumMod val="50000"/>
-                                </a:schemeClr>
-                              </a:solidFill>
-                              <a:latin typeface="Cambria Math" panose="02040503050406030204" pitchFamily="18" charset="0"/>
-                            </a:rPr>
-                            <m:t>,</m:t>
-                          </m:r>
-                          <m:r>
-                            <a:rPr lang="en-CA" b="0" i="1" smtClean="0">
-                              <a:solidFill>
-                                <a:schemeClr val="accent1">
-                                  <a:lumMod val="50000"/>
-                                </a:schemeClr>
-                              </a:solidFill>
-                              <a:latin typeface="Cambria Math" panose="02040503050406030204" pitchFamily="18" charset="0"/>
-                            </a:rPr>
-                            <m:t>𝑇</m:t>
-                          </m:r>
-                        </m:e>
-                      </m:d>
-                      <m:r>
-                        <a:rPr lang="en-CA" b="0" i="1" smtClean="0">
-                          <a:solidFill>
-                            <a:schemeClr val="accent1">
-                              <a:lumMod val="50000"/>
-                            </a:schemeClr>
-                          </a:solidFill>
-                          <a:latin typeface="Cambria Math" panose="02040503050406030204" pitchFamily="18" charset="0"/>
-                        </a:rPr>
-                        <m:t>=</m:t>
-                      </m:r>
-                      <m:sSub>
-                        <m:sSubPr>
-                          <m:ctrlPr>
-                            <a:rPr lang="en-CA" b="0" i="1" smtClean="0">
-                              <a:solidFill>
-                                <a:schemeClr val="accent1">
-                                  <a:lumMod val="50000"/>
-                                </a:schemeClr>
-                              </a:solidFill>
-                              <a:latin typeface="Cambria Math" panose="02040503050406030204" pitchFamily="18" charset="0"/>
-                            </a:rPr>
-                          </m:ctrlPr>
-                        </m:sSubPr>
-                        <m:e>
-                          <m:r>
-                            <a:rPr lang="en-CA" b="0" i="1" smtClean="0">
-                              <a:solidFill>
-                                <a:schemeClr val="accent1">
-                                  <a:lumMod val="50000"/>
-                                </a:schemeClr>
-                              </a:solidFill>
-                              <a:latin typeface="Cambria Math" panose="02040503050406030204" pitchFamily="18" charset="0"/>
-                            </a:rPr>
-                            <m:t>𝑃</m:t>
-                          </m:r>
-                        </m:e>
-                        <m:sub>
-                          <m:r>
-                            <a:rPr lang="en-CA" b="0" i="1" smtClean="0">
-                              <a:solidFill>
-                                <a:schemeClr val="accent1">
-                                  <a:lumMod val="50000"/>
-                                </a:schemeClr>
-                              </a:solidFill>
-                              <a:latin typeface="Cambria Math" panose="02040503050406030204" pitchFamily="18" charset="0"/>
-                            </a:rPr>
-                            <m:t>𝑎𝑡𝑡𝑎𝑞𝑢𝑒</m:t>
-                          </m:r>
-                        </m:sub>
-                      </m:sSub>
-                      <m:r>
-                        <a:rPr lang="en-CA" b="0" i="1" smtClean="0">
-                          <a:solidFill>
-                            <a:schemeClr val="accent1">
-                              <a:lumMod val="50000"/>
-                            </a:schemeClr>
-                          </a:solidFill>
-                          <a:latin typeface="Cambria Math" panose="02040503050406030204" pitchFamily="18" charset="0"/>
-                        </a:rPr>
-                        <m:t>(</m:t>
-                      </m:r>
-                      <m:r>
-                        <a:rPr lang="en-CA" b="0" i="1" smtClean="0">
-                          <a:solidFill>
-                            <a:schemeClr val="accent1">
-                              <a:lumMod val="50000"/>
-                            </a:schemeClr>
-                          </a:solidFill>
-                          <a:latin typeface="Cambria Math" panose="02040503050406030204" pitchFamily="18" charset="0"/>
-                        </a:rPr>
-                        <m:t>𝑇</m:t>
-                      </m:r>
-                      <m:r>
-                        <a:rPr lang="en-CA" b="0" i="1" smtClean="0">
-                          <a:solidFill>
-                            <a:schemeClr val="accent1">
-                              <a:lumMod val="50000"/>
-                            </a:schemeClr>
-                          </a:solidFill>
-                          <a:latin typeface="Cambria Math" panose="02040503050406030204" pitchFamily="18" charset="0"/>
-                        </a:rPr>
-                        <m:t>)∗</m:t>
-                      </m:r>
-                      <m:r>
-                        <a:rPr lang="en-CA" b="0" i="1" smtClean="0">
-                          <a:solidFill>
-                            <a:schemeClr val="accent1">
-                              <a:lumMod val="50000"/>
-                            </a:schemeClr>
-                          </a:solidFill>
-                          <a:latin typeface="Cambria Math" panose="02040503050406030204" pitchFamily="18" charset="0"/>
-                        </a:rPr>
-                        <m:t>𝐷</m:t>
-                      </m:r>
-                      <m:r>
-                        <a:rPr lang="en-CA" b="0" i="1" smtClean="0">
-                          <a:solidFill>
-                            <a:schemeClr val="accent1">
-                              <a:lumMod val="50000"/>
-                            </a:schemeClr>
-                          </a:solidFill>
-                          <a:latin typeface="Cambria Math" panose="02040503050406030204" pitchFamily="18" charset="0"/>
-                        </a:rPr>
-                        <m:t>(</m:t>
-                      </m:r>
-                      <m:r>
-                        <a:rPr lang="en-CA" b="0" i="1" smtClean="0">
-                          <a:solidFill>
-                            <a:schemeClr val="accent1">
-                              <a:lumMod val="50000"/>
-                            </a:schemeClr>
-                          </a:solidFill>
-                          <a:latin typeface="Cambria Math" panose="02040503050406030204" pitchFamily="18" charset="0"/>
-                        </a:rPr>
-                        <m:t>𝐻</m:t>
-                      </m:r>
-                      <m:r>
-                        <a:rPr lang="en-CA" b="0" i="1" smtClean="0">
-                          <a:solidFill>
-                            <a:schemeClr val="accent1">
-                              <a:lumMod val="50000"/>
-                            </a:schemeClr>
-                          </a:solidFill>
-                          <a:latin typeface="Cambria Math" panose="02040503050406030204" pitchFamily="18" charset="0"/>
-                        </a:rPr>
-                        <m:t>)</m:t>
-                      </m:r>
-                    </m:oMath>
-                  </m:oMathPara>
-                </a14:m>
-                <a:endParaRPr lang="en-CA" b="0" dirty="0" smtClean="0">
-                  <a:solidFill>
-                    <a:schemeClr val="accent1">
-                      <a:lumMod val="50000"/>
-                    </a:schemeClr>
-                  </a:solidFill>
-                </a:endParaRPr>
-              </a:p>
-              <a:p>
-                <a:pPr marL="285750" indent="-285750">
-                  <a:buFont typeface="Arial" panose="020B0604020202020204" pitchFamily="34" charset="0"/>
-                  <a:buChar char="•"/>
-                </a:pPr>
-                <a:r>
-                  <a:rPr lang="en-CA" dirty="0" smtClean="0"/>
-                  <a:t>On pose :</a:t>
-                </a:r>
-                <a:br>
-                  <a:rPr lang="en-CA" dirty="0" smtClean="0"/>
-                </a:br>
-                <a14:m>
-                  <m:oMath xmlns:m="http://schemas.openxmlformats.org/officeDocument/2006/math">
-                    <m:sSub>
-                      <m:sSubPr>
-                        <m:ctrlPr>
-                          <a:rPr lang="en-CA" b="0" i="1" smtClean="0">
-                            <a:solidFill>
-                              <a:schemeClr val="accent1">
-                                <a:lumMod val="50000"/>
-                              </a:schemeClr>
-                            </a:solidFill>
-                            <a:latin typeface="Cambria Math" panose="02040503050406030204" pitchFamily="18" charset="0"/>
-                          </a:rPr>
-                        </m:ctrlPr>
-                      </m:sSubPr>
-                      <m:e>
-                        <m:r>
-                          <a:rPr lang="en-CA" b="0" i="1" smtClean="0">
-                            <a:solidFill>
-                              <a:schemeClr val="accent1">
-                                <a:lumMod val="50000"/>
-                              </a:schemeClr>
-                            </a:solidFill>
-                            <a:latin typeface="Cambria Math" panose="02040503050406030204" pitchFamily="18" charset="0"/>
-                          </a:rPr>
-                          <m:t>𝑃</m:t>
-                        </m:r>
-                      </m:e>
-                      <m:sub>
-                        <m:r>
-                          <a:rPr lang="en-CA" b="0" i="1" smtClean="0">
-                            <a:solidFill>
-                              <a:schemeClr val="accent1">
-                                <a:lumMod val="50000"/>
-                              </a:schemeClr>
-                            </a:solidFill>
-                            <a:latin typeface="Cambria Math" panose="02040503050406030204" pitchFamily="18" charset="0"/>
-                          </a:rPr>
-                          <m:t>𝑎𝑡𝑡𝑎𝑞𝑢𝑒</m:t>
-                        </m:r>
-                      </m:sub>
-                    </m:sSub>
-                    <m:d>
-                      <m:dPr>
-                        <m:ctrlPr>
-                          <a:rPr lang="en-CA" b="0" i="1" smtClean="0">
-                            <a:solidFill>
-                              <a:schemeClr val="accent1">
-                                <a:lumMod val="50000"/>
-                              </a:schemeClr>
-                            </a:solidFill>
-                            <a:latin typeface="Cambria Math" panose="02040503050406030204" pitchFamily="18" charset="0"/>
-                          </a:rPr>
-                        </m:ctrlPr>
-                      </m:dPr>
-                      <m:e>
-                        <m:r>
-                          <a:rPr lang="en-CA" b="0" i="1" smtClean="0">
-                            <a:solidFill>
-                              <a:schemeClr val="accent1">
-                                <a:lumMod val="50000"/>
-                              </a:schemeClr>
-                            </a:solidFill>
-                            <a:latin typeface="Cambria Math" panose="02040503050406030204" pitchFamily="18" charset="0"/>
-                          </a:rPr>
-                          <m:t>𝑇</m:t>
-                        </m:r>
-                      </m:e>
-                    </m:d>
-                    <m:r>
-                      <a:rPr lang="en-CA" b="0" i="1" smtClean="0">
-                        <a:solidFill>
-                          <a:schemeClr val="accent1">
-                            <a:lumMod val="50000"/>
-                          </a:schemeClr>
-                        </a:solidFill>
-                        <a:latin typeface="Cambria Math" panose="02040503050406030204" pitchFamily="18" charset="0"/>
-                      </a:rPr>
-                      <m:t>=1−</m:t>
-                    </m:r>
-                    <m:sSup>
-                      <m:sSupPr>
-                        <m:ctrlPr>
-                          <a:rPr lang="en-CA" b="0" i="1" smtClean="0">
-                            <a:solidFill>
-                              <a:schemeClr val="accent1">
-                                <a:lumMod val="50000"/>
-                              </a:schemeClr>
-                            </a:solidFill>
-                            <a:latin typeface="Cambria Math" panose="02040503050406030204" pitchFamily="18" charset="0"/>
-                          </a:rPr>
-                        </m:ctrlPr>
-                      </m:sSupPr>
-                      <m:e>
-                        <m:r>
-                          <a:rPr lang="en-CA" b="0" i="1" smtClean="0">
-                            <a:solidFill>
-                              <a:schemeClr val="accent1">
-                                <a:lumMod val="50000"/>
-                              </a:schemeClr>
-                            </a:solidFill>
-                            <a:latin typeface="Cambria Math" panose="02040503050406030204" pitchFamily="18" charset="0"/>
-                          </a:rPr>
-                          <m:t>𝑒</m:t>
-                        </m:r>
-                      </m:e>
-                      <m:sup>
-                        <m:r>
-                          <a:rPr lang="en-CA" b="0" i="1" smtClean="0">
-                            <a:solidFill>
-                              <a:schemeClr val="accent1">
-                                <a:lumMod val="50000"/>
-                              </a:schemeClr>
-                            </a:solidFill>
-                            <a:latin typeface="Cambria Math" panose="02040503050406030204" pitchFamily="18" charset="0"/>
-                          </a:rPr>
-                          <m:t>−</m:t>
-                        </m:r>
-                        <m:r>
-                          <a:rPr lang="en-CA" b="0" i="1" smtClean="0">
-                            <a:solidFill>
-                              <a:schemeClr val="accent1">
-                                <a:lumMod val="50000"/>
-                              </a:schemeClr>
-                            </a:solidFill>
-                            <a:latin typeface="Cambria Math" panose="02040503050406030204" pitchFamily="18" charset="0"/>
-                          </a:rPr>
-                          <m:t>𝜆</m:t>
-                        </m:r>
-                        <m:r>
-                          <a:rPr lang="en-CA" b="0" i="1" smtClean="0">
-                            <a:solidFill>
-                              <a:schemeClr val="accent1">
-                                <a:lumMod val="50000"/>
-                              </a:schemeClr>
-                            </a:solidFill>
-                            <a:latin typeface="Cambria Math" panose="02040503050406030204" pitchFamily="18" charset="0"/>
-                          </a:rPr>
-                          <m:t>∗</m:t>
-                        </m:r>
-                        <m:r>
-                          <a:rPr lang="en-CA" b="0" i="1" smtClean="0">
-                            <a:solidFill>
-                              <a:schemeClr val="accent1">
-                                <a:lumMod val="50000"/>
-                              </a:schemeClr>
-                            </a:solidFill>
-                            <a:latin typeface="Cambria Math" panose="02040503050406030204" pitchFamily="18" charset="0"/>
-                          </a:rPr>
-                          <m:t>𝑇</m:t>
-                        </m:r>
-                        <m:r>
-                          <a:rPr lang="en-CA" b="0" i="1" smtClean="0">
-                            <a:solidFill>
-                              <a:schemeClr val="accent1">
-                                <a:lumMod val="50000"/>
-                              </a:schemeClr>
-                            </a:solidFill>
-                            <a:latin typeface="Cambria Math" panose="02040503050406030204" pitchFamily="18" charset="0"/>
-                          </a:rPr>
-                          <m:t> </m:t>
-                        </m:r>
-                      </m:sup>
-                    </m:sSup>
-                  </m:oMath>
-                </a14:m>
-                <a:r>
-                  <a:rPr lang="en-CA" dirty="0" smtClean="0">
-                    <a:solidFill>
-                      <a:schemeClr val="accent1">
-                        <a:lumMod val="50000"/>
-                      </a:schemeClr>
-                    </a:solidFill>
-                  </a:rPr>
-                  <a:t/>
-                </a:r>
-                <a:br>
-                  <a:rPr lang="en-CA" dirty="0" smtClean="0">
-                    <a:solidFill>
-                      <a:schemeClr val="accent1">
-                        <a:lumMod val="50000"/>
-                      </a:schemeClr>
-                    </a:solidFill>
-                  </a:rPr>
-                </a:br>
-                <a:endParaRPr lang="en-CA" dirty="0" smtClean="0">
-                  <a:solidFill>
-                    <a:schemeClr val="accent1">
-                      <a:lumMod val="50000"/>
-                    </a:schemeClr>
-                  </a:solidFill>
-                </a:endParaRPr>
-              </a:p>
-              <a:p>
-                <a:pPr marL="285750" indent="-285750">
-                  <a:buFont typeface="Arial" panose="020B0604020202020204" pitchFamily="34" charset="0"/>
-                  <a:buChar char="•"/>
-                </a:pPr>
-                <a:endParaRPr lang="en-CA" dirty="0" smtClean="0">
-                  <a:solidFill>
-                    <a:schemeClr val="accent1">
-                      <a:lumMod val="50000"/>
-                    </a:schemeClr>
-                  </a:solidFill>
-                </a:endParaRPr>
-              </a:p>
-              <a:p>
-                <a:pPr marL="285750" indent="-285750">
-                  <a:buFont typeface="Arial" panose="020B0604020202020204" pitchFamily="34" charset="0"/>
-                  <a:buChar char="•"/>
-                </a:pPr>
-                <a:r>
-                  <a:rPr lang="en-CA" dirty="0" smtClean="0"/>
-                  <a:t>Et D(H) le diffusion de </a:t>
-                </a:r>
-                <a:r>
-                  <a:rPr lang="en-CA" dirty="0" err="1" smtClean="0"/>
-                  <a:t>l’attaque</a:t>
-                </a:r>
-                <a:r>
-                  <a:rPr lang="en-CA" dirty="0" smtClean="0"/>
-                  <a:t> </a:t>
-                </a:r>
-                <a:r>
-                  <a:rPr lang="en-CA" dirty="0" err="1" smtClean="0"/>
-                  <a:t>dans</a:t>
-                </a:r>
-                <a:r>
-                  <a:rPr lang="en-CA" dirty="0" smtClean="0"/>
-                  <a:t> le </a:t>
-                </a:r>
-                <a:r>
-                  <a:rPr lang="en-CA" dirty="0" err="1" smtClean="0"/>
-                  <a:t>système</a:t>
-                </a:r>
-                <a:r>
-                  <a:rPr lang="en-CA" dirty="0" smtClean="0"/>
-                  <a:t> :</a:t>
-                </a:r>
-                <a:r>
-                  <a:rPr lang="en-CA" dirty="0" smtClean="0">
-                    <a:solidFill>
-                      <a:schemeClr val="accent1">
-                        <a:lumMod val="50000"/>
-                      </a:schemeClr>
-                    </a:solidFill>
-                  </a:rPr>
-                  <a:t/>
-                </a:r>
-                <a:br>
-                  <a:rPr lang="en-CA" dirty="0" smtClean="0">
-                    <a:solidFill>
-                      <a:schemeClr val="accent1">
-                        <a:lumMod val="50000"/>
-                      </a:schemeClr>
-                    </a:solidFill>
-                  </a:rPr>
-                </a:br>
-                <a14:m>
-                  <m:oMath xmlns:m="http://schemas.openxmlformats.org/officeDocument/2006/math">
-                    <m:r>
-                      <a:rPr lang="en-CA" b="0" i="1" smtClean="0">
-                        <a:solidFill>
-                          <a:schemeClr val="accent1">
-                            <a:lumMod val="50000"/>
-                          </a:schemeClr>
-                        </a:solidFill>
-                        <a:latin typeface="Cambria Math" panose="02040503050406030204" pitchFamily="18" charset="0"/>
-                      </a:rPr>
-                      <m:t>𝐷</m:t>
-                    </m:r>
-                    <m:d>
-                      <m:dPr>
-                        <m:ctrlPr>
-                          <a:rPr lang="en-CA" b="0" i="1" smtClean="0">
-                            <a:solidFill>
-                              <a:schemeClr val="accent1">
-                                <a:lumMod val="50000"/>
-                              </a:schemeClr>
-                            </a:solidFill>
-                            <a:latin typeface="Cambria Math" panose="02040503050406030204" pitchFamily="18" charset="0"/>
-                          </a:rPr>
-                        </m:ctrlPr>
-                      </m:dPr>
-                      <m:e>
-                        <m:r>
-                          <a:rPr lang="en-CA" b="0" i="1" smtClean="0">
-                            <a:solidFill>
-                              <a:schemeClr val="accent1">
-                                <a:lumMod val="50000"/>
-                              </a:schemeClr>
-                            </a:solidFill>
-                            <a:latin typeface="Cambria Math" panose="02040503050406030204" pitchFamily="18" charset="0"/>
-                          </a:rPr>
-                          <m:t>𝐻</m:t>
-                        </m:r>
-                      </m:e>
-                    </m:d>
-                    <m:r>
-                      <a:rPr lang="en-CA" b="0" i="1" smtClean="0">
-                        <a:solidFill>
-                          <a:schemeClr val="accent1">
-                            <a:lumMod val="50000"/>
-                          </a:schemeClr>
-                        </a:solidFill>
-                        <a:latin typeface="Cambria Math" panose="02040503050406030204" pitchFamily="18" charset="0"/>
-                      </a:rPr>
-                      <m:t>=1+</m:t>
-                    </m:r>
-                    <m:d>
-                      <m:dPr>
-                        <m:ctrlPr>
-                          <a:rPr lang="en-CA" b="0" i="1" smtClean="0">
-                            <a:solidFill>
-                              <a:schemeClr val="accent1">
-                                <a:lumMod val="50000"/>
-                              </a:schemeClr>
-                            </a:solidFill>
-                            <a:latin typeface="Cambria Math" panose="02040503050406030204" pitchFamily="18" charset="0"/>
-                          </a:rPr>
-                        </m:ctrlPr>
-                      </m:dPr>
-                      <m:e>
-                        <m:r>
-                          <a:rPr lang="en-CA" b="0" i="1" smtClean="0">
-                            <a:solidFill>
-                              <a:schemeClr val="accent1">
-                                <a:lumMod val="50000"/>
-                              </a:schemeClr>
-                            </a:solidFill>
-                            <a:latin typeface="Cambria Math" panose="02040503050406030204" pitchFamily="18" charset="0"/>
-                          </a:rPr>
-                          <m:t>𝑚</m:t>
-                        </m:r>
-                        <m:r>
-                          <a:rPr lang="en-CA" b="0" i="1" smtClean="0">
-                            <a:solidFill>
-                              <a:schemeClr val="accent1">
-                                <a:lumMod val="50000"/>
-                              </a:schemeClr>
-                            </a:solidFill>
-                            <a:latin typeface="Cambria Math" panose="02040503050406030204" pitchFamily="18" charset="0"/>
-                          </a:rPr>
-                          <m:t>−1</m:t>
-                        </m:r>
-                      </m:e>
-                    </m:d>
-                    <m:r>
-                      <a:rPr lang="en-CA" b="0" i="1" smtClean="0">
-                        <a:solidFill>
-                          <a:schemeClr val="accent1">
-                            <a:lumMod val="50000"/>
-                          </a:schemeClr>
-                        </a:solidFill>
-                        <a:latin typeface="Cambria Math" panose="02040503050406030204" pitchFamily="18" charset="0"/>
-                      </a:rPr>
-                      <m:t>∗</m:t>
-                    </m:r>
-                    <m:d>
-                      <m:dPr>
-                        <m:ctrlPr>
-                          <a:rPr lang="en-CA" b="0" i="1" smtClean="0">
-                            <a:solidFill>
-                              <a:schemeClr val="accent1">
-                                <a:lumMod val="50000"/>
-                              </a:schemeClr>
-                            </a:solidFill>
-                            <a:latin typeface="Cambria Math" panose="02040503050406030204" pitchFamily="18" charset="0"/>
-                          </a:rPr>
-                        </m:ctrlPr>
-                      </m:dPr>
-                      <m:e>
-                        <m:r>
-                          <a:rPr lang="en-CA" b="0" i="1" smtClean="0">
-                            <a:solidFill>
-                              <a:schemeClr val="accent1">
-                                <a:lumMod val="50000"/>
-                              </a:schemeClr>
-                            </a:solidFill>
-                            <a:latin typeface="Cambria Math" panose="02040503050406030204" pitchFamily="18" charset="0"/>
-                          </a:rPr>
-                          <m:t>1−</m:t>
-                        </m:r>
-                        <m:f>
-                          <m:fPr>
-                            <m:ctrlPr>
-                              <a:rPr lang="en-CA" b="0" i="1" smtClean="0">
-                                <a:solidFill>
-                                  <a:schemeClr val="accent1">
-                                    <a:lumMod val="50000"/>
-                                  </a:schemeClr>
-                                </a:solidFill>
-                                <a:latin typeface="Cambria Math" panose="02040503050406030204" pitchFamily="18" charset="0"/>
-                              </a:rPr>
-                            </m:ctrlPr>
-                          </m:fPr>
-                          <m:num>
-                            <m:r>
-                              <a:rPr lang="en-CA" b="0" i="1" smtClean="0">
-                                <a:solidFill>
-                                  <a:schemeClr val="accent1">
-                                    <a:lumMod val="50000"/>
-                                  </a:schemeClr>
-                                </a:solidFill>
-                                <a:latin typeface="Cambria Math" panose="02040503050406030204" pitchFamily="18" charset="0"/>
-                              </a:rPr>
-                              <m:t>𝐻</m:t>
-                            </m:r>
-                          </m:num>
-                          <m:den>
-                            <m:sSub>
-                              <m:sSubPr>
-                                <m:ctrlPr>
-                                  <a:rPr lang="en-CA" b="0" i="1" smtClean="0">
-                                    <a:solidFill>
-                                      <a:schemeClr val="accent1">
-                                        <a:lumMod val="50000"/>
-                                      </a:schemeClr>
-                                    </a:solidFill>
-                                    <a:latin typeface="Cambria Math" panose="02040503050406030204" pitchFamily="18" charset="0"/>
-                                  </a:rPr>
-                                </m:ctrlPr>
-                              </m:sSubPr>
-                              <m:e>
-                                <m:r>
-                                  <a:rPr lang="en-CA" b="0" i="1" smtClean="0">
-                                    <a:solidFill>
-                                      <a:schemeClr val="accent1">
-                                        <a:lumMod val="50000"/>
-                                      </a:schemeClr>
-                                    </a:solidFill>
-                                    <a:latin typeface="Cambria Math" panose="02040503050406030204" pitchFamily="18" charset="0"/>
-                                  </a:rPr>
-                                  <m:t>𝐻</m:t>
-                                </m:r>
-                              </m:e>
-                              <m:sub>
-                                <m:r>
-                                  <a:rPr lang="en-CA" b="0" i="1" smtClean="0">
-                                    <a:solidFill>
-                                      <a:schemeClr val="accent1">
-                                        <a:lumMod val="50000"/>
-                                      </a:schemeClr>
-                                    </a:solidFill>
-                                    <a:latin typeface="Cambria Math" panose="02040503050406030204" pitchFamily="18" charset="0"/>
-                                  </a:rPr>
-                                  <m:t>𝑢𝑛</m:t>
-                                </m:r>
-                              </m:sub>
-                            </m:sSub>
-                          </m:den>
-                        </m:f>
-                      </m:e>
-                    </m:d>
-                  </m:oMath>
-                </a14:m>
-                <a:r>
-                  <a:rPr lang="en-CA" dirty="0" smtClean="0">
-                    <a:solidFill>
-                      <a:schemeClr val="accent1">
-                        <a:lumMod val="50000"/>
-                      </a:schemeClr>
-                    </a:solidFill>
-                  </a:rPr>
-                  <a:t/>
-                </a:r>
-                <a:br>
-                  <a:rPr lang="en-CA" dirty="0" smtClean="0">
-                    <a:solidFill>
-                      <a:schemeClr val="accent1">
-                        <a:lumMod val="50000"/>
-                      </a:schemeClr>
-                    </a:solidFill>
-                  </a:rPr>
-                </a:br>
-                <a14:m>
-                  <m:oMath xmlns:m="http://schemas.openxmlformats.org/officeDocument/2006/math">
-                    <m:r>
-                      <a:rPr lang="en-CA" b="0" i="1" smtClean="0">
-                        <a:solidFill>
-                          <a:schemeClr val="accent1">
-                            <a:lumMod val="50000"/>
-                          </a:schemeClr>
-                        </a:solidFill>
-                        <a:latin typeface="Cambria Math" panose="02040503050406030204" pitchFamily="18" charset="0"/>
-                      </a:rPr>
-                      <m:t>𝐷</m:t>
-                    </m:r>
-                    <m:d>
-                      <m:dPr>
-                        <m:ctrlPr>
-                          <a:rPr lang="en-CA" b="0" i="1" smtClean="0">
-                            <a:solidFill>
-                              <a:schemeClr val="accent1">
-                                <a:lumMod val="50000"/>
-                              </a:schemeClr>
-                            </a:solidFill>
-                            <a:latin typeface="Cambria Math" panose="02040503050406030204" pitchFamily="18" charset="0"/>
-                          </a:rPr>
-                        </m:ctrlPr>
-                      </m:dPr>
-                      <m:e>
-                        <m:r>
-                          <a:rPr lang="en-CA" b="0" i="1" smtClean="0">
-                            <a:solidFill>
-                              <a:schemeClr val="accent1">
-                                <a:lumMod val="50000"/>
-                              </a:schemeClr>
-                            </a:solidFill>
-                            <a:latin typeface="Cambria Math" panose="02040503050406030204" pitchFamily="18" charset="0"/>
-                          </a:rPr>
-                          <m:t>𝐻</m:t>
-                        </m:r>
-                      </m:e>
-                    </m:d>
-                    <m:r>
-                      <a:rPr lang="en-CA" b="0" i="1" smtClean="0">
-                        <a:solidFill>
-                          <a:schemeClr val="accent1">
-                            <a:lumMod val="50000"/>
-                          </a:schemeClr>
-                        </a:solidFill>
-                        <a:latin typeface="Cambria Math" panose="02040503050406030204" pitchFamily="18" charset="0"/>
-                      </a:rPr>
-                      <m:t>=</m:t>
-                    </m:r>
-                    <m:r>
-                      <a:rPr lang="en-CA" b="0" i="1" smtClean="0">
-                        <a:solidFill>
-                          <a:schemeClr val="accent1">
-                            <a:lumMod val="50000"/>
-                          </a:schemeClr>
-                        </a:solidFill>
-                        <a:latin typeface="Cambria Math" panose="02040503050406030204" pitchFamily="18" charset="0"/>
-                      </a:rPr>
-                      <m:t>𝑚</m:t>
-                    </m:r>
-                    <m:r>
-                      <a:rPr lang="en-CA" b="0" i="1" smtClean="0">
-                        <a:solidFill>
-                          <a:schemeClr val="accent1">
-                            <a:lumMod val="50000"/>
-                          </a:schemeClr>
-                        </a:solidFill>
-                        <a:latin typeface="Cambria Math" panose="02040503050406030204" pitchFamily="18" charset="0"/>
-                      </a:rPr>
-                      <m:t>−</m:t>
-                    </m:r>
-                    <m:f>
-                      <m:fPr>
-                        <m:ctrlPr>
-                          <a:rPr lang="en-CA" b="0" i="1" smtClean="0">
-                            <a:solidFill>
-                              <a:schemeClr val="accent1">
-                                <a:lumMod val="50000"/>
-                              </a:schemeClr>
-                            </a:solidFill>
-                            <a:latin typeface="Cambria Math" panose="02040503050406030204" pitchFamily="18" charset="0"/>
-                          </a:rPr>
-                        </m:ctrlPr>
-                      </m:fPr>
-                      <m:num>
-                        <m:r>
-                          <a:rPr lang="en-CA" b="0" i="1" smtClean="0">
-                            <a:solidFill>
-                              <a:schemeClr val="accent1">
-                                <a:lumMod val="50000"/>
-                              </a:schemeClr>
-                            </a:solidFill>
-                            <a:latin typeface="Cambria Math" panose="02040503050406030204" pitchFamily="18" charset="0"/>
-                          </a:rPr>
-                          <m:t>𝑚</m:t>
-                        </m:r>
-                        <m:r>
-                          <a:rPr lang="en-CA" b="0" i="1" smtClean="0">
-                            <a:solidFill>
-                              <a:schemeClr val="accent1">
-                                <a:lumMod val="50000"/>
-                              </a:schemeClr>
-                            </a:solidFill>
-                            <a:latin typeface="Cambria Math" panose="02040503050406030204" pitchFamily="18" charset="0"/>
-                          </a:rPr>
-                          <m:t>−1</m:t>
-                        </m:r>
-                      </m:num>
-                      <m:den>
-                        <m:func>
-                          <m:funcPr>
-                            <m:ctrlPr>
-                              <a:rPr lang="en-CA" b="0" i="1" smtClean="0">
-                                <a:solidFill>
-                                  <a:schemeClr val="accent1">
-                                    <a:lumMod val="50000"/>
-                                  </a:schemeClr>
-                                </a:solidFill>
-                                <a:latin typeface="Cambria Math" panose="02040503050406030204" pitchFamily="18" charset="0"/>
-                              </a:rPr>
-                            </m:ctrlPr>
-                          </m:funcPr>
-                          <m:fName>
-                            <m:sSub>
-                              <m:sSubPr>
-                                <m:ctrlPr>
-                                  <a:rPr lang="en-CA" b="0" i="1" smtClean="0">
-                                    <a:solidFill>
-                                      <a:schemeClr val="accent1">
-                                        <a:lumMod val="50000"/>
-                                      </a:schemeClr>
-                                    </a:solidFill>
-                                    <a:latin typeface="Cambria Math" panose="02040503050406030204" pitchFamily="18" charset="0"/>
-                                  </a:rPr>
-                                </m:ctrlPr>
-                              </m:sSubPr>
-                              <m:e>
-                                <m:r>
-                                  <m:rPr>
-                                    <m:sty m:val="p"/>
-                                  </m:rPr>
-                                  <a:rPr lang="en-CA" b="0" i="0" smtClean="0">
-                                    <a:solidFill>
-                                      <a:schemeClr val="accent1">
-                                        <a:lumMod val="50000"/>
-                                      </a:schemeClr>
-                                    </a:solidFill>
-                                    <a:latin typeface="Cambria Math" panose="02040503050406030204" pitchFamily="18" charset="0"/>
-                                  </a:rPr>
-                                  <m:t>log</m:t>
-                                </m:r>
-                              </m:e>
-                              <m:sub>
-                                <m:r>
-                                  <a:rPr lang="en-CA" b="0" i="1" smtClean="0">
-                                    <a:solidFill>
-                                      <a:schemeClr val="accent1">
-                                        <a:lumMod val="50000"/>
-                                      </a:schemeClr>
-                                    </a:solidFill>
-                                    <a:latin typeface="Cambria Math" panose="02040503050406030204" pitchFamily="18" charset="0"/>
-                                  </a:rPr>
-                                  <m:t>2</m:t>
-                                </m:r>
-                              </m:sub>
-                            </m:sSub>
-                          </m:fName>
-                          <m:e>
-                            <m:r>
-                              <a:rPr lang="en-CA" b="0" i="1" smtClean="0">
-                                <a:solidFill>
-                                  <a:schemeClr val="accent1">
-                                    <a:lumMod val="50000"/>
-                                  </a:schemeClr>
-                                </a:solidFill>
-                                <a:latin typeface="Cambria Math" panose="02040503050406030204" pitchFamily="18" charset="0"/>
-                              </a:rPr>
-                              <m:t>𝑛</m:t>
-                            </m:r>
-                          </m:e>
-                        </m:func>
-                      </m:den>
-                    </m:f>
-                    <m:r>
-                      <a:rPr lang="en-CA" b="0" i="0" smtClean="0">
-                        <a:solidFill>
-                          <a:schemeClr val="accent1">
-                            <a:lumMod val="50000"/>
-                          </a:schemeClr>
-                        </a:solidFill>
-                        <a:latin typeface="Cambria Math" panose="02040503050406030204" pitchFamily="18" charset="0"/>
-                      </a:rPr>
-                      <m:t>∗</m:t>
-                    </m:r>
-                    <m:r>
-                      <m:rPr>
-                        <m:sty m:val="p"/>
-                      </m:rPr>
-                      <a:rPr lang="en-CA" b="0" i="0" smtClean="0">
-                        <a:solidFill>
-                          <a:schemeClr val="accent1">
-                            <a:lumMod val="50000"/>
-                          </a:schemeClr>
-                        </a:solidFill>
-                        <a:latin typeface="Cambria Math" panose="02040503050406030204" pitchFamily="18" charset="0"/>
-                      </a:rPr>
-                      <m:t>H</m:t>
-                    </m:r>
-                  </m:oMath>
-                </a14:m>
-                <a:endParaRPr lang="en-CA" dirty="0" smtClean="0">
-                  <a:solidFill>
-                    <a:schemeClr val="accent1">
-                      <a:lumMod val="50000"/>
-                    </a:schemeClr>
-                  </a:solidFill>
-                </a:endParaRPr>
-              </a:p>
-              <a:p>
-                <a:pPr marL="285750" indent="-285750">
-                  <a:buFont typeface="Arial" panose="020B0604020202020204" pitchFamily="34" charset="0"/>
-                  <a:buChar char="•"/>
-                </a:pPr>
-                <a:r>
-                  <a:rPr lang="en-CA" dirty="0" smtClean="0"/>
-                  <a:t>Au final,</a:t>
-                </a:r>
-                <a:r>
-                  <a:rPr lang="en-CA" dirty="0" smtClean="0">
-                    <a:solidFill>
-                      <a:schemeClr val="accent1">
-                        <a:lumMod val="50000"/>
-                      </a:schemeClr>
-                    </a:solidFill>
-                  </a:rPr>
-                  <a:t/>
-                </a:r>
-                <a:br>
-                  <a:rPr lang="en-CA" dirty="0" smtClean="0">
-                    <a:solidFill>
-                      <a:schemeClr val="accent1">
-                        <a:lumMod val="50000"/>
-                      </a:schemeClr>
-                    </a:solidFill>
-                  </a:rPr>
-                </a:br>
-                <a14:m>
-                  <m:oMath xmlns:m="http://schemas.openxmlformats.org/officeDocument/2006/math">
-                    <m:sSub>
-                      <m:sSubPr>
-                        <m:ctrlPr>
-                          <a:rPr lang="en-CA" b="0" i="1" smtClean="0">
-                            <a:solidFill>
-                              <a:schemeClr val="accent2">
-                                <a:lumMod val="50000"/>
-                              </a:schemeClr>
-                            </a:solidFill>
-                            <a:latin typeface="Cambria Math" panose="02040503050406030204" pitchFamily="18" charset="0"/>
-                          </a:rPr>
-                        </m:ctrlPr>
-                      </m:sSubPr>
-                      <m:e>
-                        <m:r>
-                          <a:rPr lang="en-CA" b="0" i="1" smtClean="0">
-                            <a:solidFill>
-                              <a:schemeClr val="accent2">
-                                <a:lumMod val="50000"/>
-                              </a:schemeClr>
-                            </a:solidFill>
-                            <a:latin typeface="Cambria Math" panose="02040503050406030204" pitchFamily="18" charset="0"/>
-                          </a:rPr>
-                          <m:t>𝑁</m:t>
-                        </m:r>
-                      </m:e>
-                      <m:sub>
-                        <m:r>
-                          <a:rPr lang="en-CA" b="0" i="1" smtClean="0">
-                            <a:solidFill>
-                              <a:schemeClr val="accent2">
-                                <a:lumMod val="50000"/>
-                              </a:schemeClr>
-                            </a:solidFill>
-                            <a:latin typeface="Cambria Math" panose="02040503050406030204" pitchFamily="18" charset="0"/>
-                          </a:rPr>
-                          <m:t>𝑖𝑛𝑓𝑒𝑐𝑡𝑖𝑜𝑛</m:t>
-                        </m:r>
-                        <m:d>
-                          <m:dPr>
-                            <m:ctrlPr>
-                              <a:rPr lang="en-CA" b="0" i="1" smtClean="0">
-                                <a:solidFill>
-                                  <a:schemeClr val="accent2">
-                                    <a:lumMod val="50000"/>
-                                  </a:schemeClr>
-                                </a:solidFill>
-                                <a:latin typeface="Cambria Math" panose="02040503050406030204" pitchFamily="18" charset="0"/>
-                              </a:rPr>
-                            </m:ctrlPr>
-                          </m:dPr>
-                          <m:e>
-                            <m:r>
-                              <m:rPr>
-                                <m:sty m:val="p"/>
-                              </m:rPr>
-                              <a:rPr lang="en-CA" b="0" i="0" smtClean="0">
-                                <a:solidFill>
-                                  <a:schemeClr val="accent2">
-                                    <a:lumMod val="50000"/>
-                                  </a:schemeClr>
-                                </a:solidFill>
-                                <a:latin typeface="Cambria Math" panose="02040503050406030204" pitchFamily="18" charset="0"/>
-                              </a:rPr>
-                              <m:t>H</m:t>
-                            </m:r>
-                            <m:r>
-                              <a:rPr lang="en-CA" b="0" i="0" smtClean="0">
-                                <a:solidFill>
-                                  <a:schemeClr val="accent2">
-                                    <a:lumMod val="50000"/>
-                                  </a:schemeClr>
-                                </a:solidFill>
-                                <a:latin typeface="Cambria Math" panose="02040503050406030204" pitchFamily="18" charset="0"/>
-                              </a:rPr>
-                              <m:t>,</m:t>
-                            </m:r>
-                            <m:r>
-                              <m:rPr>
-                                <m:sty m:val="p"/>
-                              </m:rPr>
-                              <a:rPr lang="en-CA" b="0" i="0" smtClean="0">
-                                <a:solidFill>
-                                  <a:schemeClr val="accent2">
-                                    <a:lumMod val="50000"/>
-                                  </a:schemeClr>
-                                </a:solidFill>
-                                <a:latin typeface="Cambria Math" panose="02040503050406030204" pitchFamily="18" charset="0"/>
-                              </a:rPr>
-                              <m:t>T</m:t>
-                            </m:r>
-                          </m:e>
-                        </m:d>
-                      </m:sub>
-                    </m:sSub>
-                    <m:r>
-                      <a:rPr lang="en-CA" b="0" i="0" smtClean="0">
-                        <a:solidFill>
-                          <a:schemeClr val="accent2">
-                            <a:lumMod val="50000"/>
-                          </a:schemeClr>
-                        </a:solidFill>
-                        <a:latin typeface="Cambria Math" panose="02040503050406030204" pitchFamily="18" charset="0"/>
-                      </a:rPr>
-                      <m:t>=</m:t>
-                    </m:r>
-                    <m:d>
-                      <m:dPr>
-                        <m:ctrlPr>
-                          <a:rPr lang="en-CA" b="0" i="1" smtClean="0">
-                            <a:solidFill>
-                              <a:schemeClr val="accent2">
-                                <a:lumMod val="50000"/>
-                              </a:schemeClr>
-                            </a:solidFill>
-                            <a:latin typeface="Cambria Math" panose="02040503050406030204" pitchFamily="18" charset="0"/>
-                          </a:rPr>
-                        </m:ctrlPr>
-                      </m:dPr>
-                      <m:e>
-                        <m:r>
-                          <a:rPr lang="en-CA" i="1">
-                            <a:solidFill>
-                              <a:schemeClr val="accent2">
-                                <a:lumMod val="50000"/>
-                              </a:schemeClr>
-                            </a:solidFill>
-                            <a:latin typeface="Cambria Math" panose="02040503050406030204" pitchFamily="18" charset="0"/>
-                          </a:rPr>
-                          <m:t>1−</m:t>
-                        </m:r>
-                        <m:sSup>
-                          <m:sSupPr>
-                            <m:ctrlPr>
-                              <a:rPr lang="en-CA" i="1">
-                                <a:solidFill>
-                                  <a:schemeClr val="accent2">
-                                    <a:lumMod val="50000"/>
-                                  </a:schemeClr>
-                                </a:solidFill>
-                                <a:latin typeface="Cambria Math" panose="02040503050406030204" pitchFamily="18" charset="0"/>
-                              </a:rPr>
-                            </m:ctrlPr>
-                          </m:sSupPr>
-                          <m:e>
-                            <m:r>
-                              <a:rPr lang="en-CA" i="1">
-                                <a:solidFill>
-                                  <a:schemeClr val="accent2">
-                                    <a:lumMod val="50000"/>
-                                  </a:schemeClr>
-                                </a:solidFill>
-                                <a:latin typeface="Cambria Math" panose="02040503050406030204" pitchFamily="18" charset="0"/>
-                              </a:rPr>
-                              <m:t>𝑒</m:t>
-                            </m:r>
-                          </m:e>
-                          <m:sup>
-                            <m:r>
-                              <a:rPr lang="en-CA" i="1">
-                                <a:solidFill>
-                                  <a:schemeClr val="accent2">
-                                    <a:lumMod val="50000"/>
-                                  </a:schemeClr>
-                                </a:solidFill>
-                                <a:latin typeface="Cambria Math" panose="02040503050406030204" pitchFamily="18" charset="0"/>
-                              </a:rPr>
-                              <m:t>−</m:t>
-                            </m:r>
-                            <m:r>
-                              <a:rPr lang="en-CA" i="1">
-                                <a:solidFill>
-                                  <a:schemeClr val="accent2">
-                                    <a:lumMod val="50000"/>
-                                  </a:schemeClr>
-                                </a:solidFill>
-                                <a:latin typeface="Cambria Math" panose="02040503050406030204" pitchFamily="18" charset="0"/>
-                              </a:rPr>
-                              <m:t>𝜆</m:t>
-                            </m:r>
-                            <m:r>
-                              <a:rPr lang="en-CA" i="1">
-                                <a:solidFill>
-                                  <a:schemeClr val="accent2">
-                                    <a:lumMod val="50000"/>
-                                  </a:schemeClr>
-                                </a:solidFill>
-                                <a:latin typeface="Cambria Math" panose="02040503050406030204" pitchFamily="18" charset="0"/>
-                              </a:rPr>
-                              <m:t>∗</m:t>
-                            </m:r>
-                            <m:r>
-                              <a:rPr lang="en-CA" i="1">
-                                <a:solidFill>
-                                  <a:schemeClr val="accent2">
-                                    <a:lumMod val="50000"/>
-                                  </a:schemeClr>
-                                </a:solidFill>
-                                <a:latin typeface="Cambria Math" panose="02040503050406030204" pitchFamily="18" charset="0"/>
-                              </a:rPr>
-                              <m:t>𝑇</m:t>
-                            </m:r>
-                            <m:r>
-                              <a:rPr lang="en-CA" i="1">
-                                <a:solidFill>
-                                  <a:schemeClr val="accent2">
-                                    <a:lumMod val="50000"/>
-                                  </a:schemeClr>
-                                </a:solidFill>
-                                <a:latin typeface="Cambria Math" panose="02040503050406030204" pitchFamily="18" charset="0"/>
-                              </a:rPr>
-                              <m:t> </m:t>
-                            </m:r>
-                          </m:sup>
-                        </m:sSup>
-                      </m:e>
-                    </m:d>
-                    <m:r>
-                      <a:rPr lang="en-CA" b="0" i="1" smtClean="0">
-                        <a:solidFill>
-                          <a:schemeClr val="accent2">
-                            <a:lumMod val="50000"/>
-                          </a:schemeClr>
-                        </a:solidFill>
-                        <a:latin typeface="Cambria Math" panose="02040503050406030204" pitchFamily="18" charset="0"/>
-                      </a:rPr>
-                      <m:t>∗(</m:t>
-                    </m:r>
-                    <m:r>
-                      <a:rPr lang="en-CA" i="1">
-                        <a:solidFill>
-                          <a:schemeClr val="accent2">
-                            <a:lumMod val="50000"/>
-                          </a:schemeClr>
-                        </a:solidFill>
-                        <a:latin typeface="Cambria Math" panose="02040503050406030204" pitchFamily="18" charset="0"/>
-                      </a:rPr>
-                      <m:t>𝑚</m:t>
-                    </m:r>
-                    <m:r>
-                      <a:rPr lang="en-CA" i="1">
-                        <a:solidFill>
-                          <a:schemeClr val="accent2">
-                            <a:lumMod val="50000"/>
-                          </a:schemeClr>
-                        </a:solidFill>
-                        <a:latin typeface="Cambria Math" panose="02040503050406030204" pitchFamily="18" charset="0"/>
-                      </a:rPr>
-                      <m:t>−</m:t>
-                    </m:r>
-                    <m:f>
-                      <m:fPr>
-                        <m:ctrlPr>
-                          <a:rPr lang="en-CA" i="1">
-                            <a:solidFill>
-                              <a:schemeClr val="accent2">
-                                <a:lumMod val="50000"/>
-                              </a:schemeClr>
-                            </a:solidFill>
-                            <a:latin typeface="Cambria Math" panose="02040503050406030204" pitchFamily="18" charset="0"/>
-                          </a:rPr>
-                        </m:ctrlPr>
-                      </m:fPr>
-                      <m:num>
-                        <m:r>
-                          <a:rPr lang="en-CA" i="1">
-                            <a:solidFill>
-                              <a:schemeClr val="accent2">
-                                <a:lumMod val="50000"/>
-                              </a:schemeClr>
-                            </a:solidFill>
-                            <a:latin typeface="Cambria Math" panose="02040503050406030204" pitchFamily="18" charset="0"/>
-                          </a:rPr>
-                          <m:t>𝑚</m:t>
-                        </m:r>
-                        <m:r>
-                          <a:rPr lang="en-CA" i="1">
-                            <a:solidFill>
-                              <a:schemeClr val="accent2">
-                                <a:lumMod val="50000"/>
-                              </a:schemeClr>
-                            </a:solidFill>
-                            <a:latin typeface="Cambria Math" panose="02040503050406030204" pitchFamily="18" charset="0"/>
-                          </a:rPr>
-                          <m:t>−1</m:t>
-                        </m:r>
-                      </m:num>
-                      <m:den>
-                        <m:func>
-                          <m:funcPr>
-                            <m:ctrlPr>
-                              <a:rPr lang="en-CA" i="1">
-                                <a:solidFill>
-                                  <a:schemeClr val="accent2">
-                                    <a:lumMod val="50000"/>
-                                  </a:schemeClr>
-                                </a:solidFill>
-                                <a:latin typeface="Cambria Math" panose="02040503050406030204" pitchFamily="18" charset="0"/>
-                              </a:rPr>
-                            </m:ctrlPr>
-                          </m:funcPr>
-                          <m:fName>
-                            <m:sSub>
-                              <m:sSubPr>
-                                <m:ctrlPr>
-                                  <a:rPr lang="en-CA" i="1">
-                                    <a:solidFill>
-                                      <a:schemeClr val="accent2">
-                                        <a:lumMod val="50000"/>
-                                      </a:schemeClr>
-                                    </a:solidFill>
-                                    <a:latin typeface="Cambria Math" panose="02040503050406030204" pitchFamily="18" charset="0"/>
-                                  </a:rPr>
-                                </m:ctrlPr>
-                              </m:sSubPr>
-                              <m:e>
-                                <m:r>
-                                  <m:rPr>
-                                    <m:sty m:val="p"/>
-                                  </m:rPr>
-                                  <a:rPr lang="en-CA">
-                                    <a:solidFill>
-                                      <a:schemeClr val="accent2">
-                                        <a:lumMod val="50000"/>
-                                      </a:schemeClr>
-                                    </a:solidFill>
-                                    <a:latin typeface="Cambria Math" panose="02040503050406030204" pitchFamily="18" charset="0"/>
-                                  </a:rPr>
-                                  <m:t>log</m:t>
-                                </m:r>
-                              </m:e>
-                              <m:sub>
-                                <m:r>
-                                  <a:rPr lang="en-CA" i="1">
-                                    <a:solidFill>
-                                      <a:schemeClr val="accent2">
-                                        <a:lumMod val="50000"/>
-                                      </a:schemeClr>
-                                    </a:solidFill>
-                                    <a:latin typeface="Cambria Math" panose="02040503050406030204" pitchFamily="18" charset="0"/>
-                                  </a:rPr>
-                                  <m:t>2</m:t>
-                                </m:r>
-                              </m:sub>
-                            </m:sSub>
-                          </m:fName>
-                          <m:e>
-                            <m:r>
-                              <a:rPr lang="en-CA" i="1">
-                                <a:solidFill>
-                                  <a:schemeClr val="accent2">
-                                    <a:lumMod val="50000"/>
-                                  </a:schemeClr>
-                                </a:solidFill>
-                                <a:latin typeface="Cambria Math" panose="02040503050406030204" pitchFamily="18" charset="0"/>
-                              </a:rPr>
-                              <m:t>𝑛</m:t>
-                            </m:r>
-                          </m:e>
-                        </m:func>
-                      </m:den>
-                    </m:f>
-                    <m:r>
-                      <a:rPr lang="en-CA">
-                        <a:solidFill>
-                          <a:schemeClr val="accent2">
-                            <a:lumMod val="50000"/>
-                          </a:schemeClr>
-                        </a:solidFill>
-                        <a:latin typeface="Cambria Math" panose="02040503050406030204" pitchFamily="18" charset="0"/>
-                      </a:rPr>
-                      <m:t>∗</m:t>
-                    </m:r>
-                    <m:r>
-                      <m:rPr>
-                        <m:sty m:val="p"/>
-                      </m:rPr>
-                      <a:rPr lang="en-CA">
-                        <a:solidFill>
-                          <a:schemeClr val="accent2">
-                            <a:lumMod val="50000"/>
-                          </a:schemeClr>
-                        </a:solidFill>
-                        <a:latin typeface="Cambria Math" panose="02040503050406030204" pitchFamily="18" charset="0"/>
-                      </a:rPr>
-                      <m:t>H</m:t>
-                    </m:r>
-                    <m:r>
-                      <a:rPr lang="en-CA" b="0" i="0" smtClean="0">
-                        <a:solidFill>
-                          <a:schemeClr val="accent2">
-                            <a:lumMod val="50000"/>
-                          </a:schemeClr>
-                        </a:solidFill>
-                        <a:latin typeface="Cambria Math" panose="02040503050406030204" pitchFamily="18" charset="0"/>
-                      </a:rPr>
-                      <m:t>)</m:t>
-                    </m:r>
-                  </m:oMath>
-                </a14:m>
-                <a:endParaRPr lang="en-CA" dirty="0">
-                  <a:solidFill>
-                    <a:schemeClr val="accent2">
-                      <a:lumMod val="50000"/>
-                    </a:schemeClr>
-                  </a:solidFill>
-                </a:endParaRPr>
-              </a:p>
-              <a:p>
-                <a:pPr marL="285750" indent="-285750">
-                  <a:buFont typeface="Arial" panose="020B0604020202020204" pitchFamily="34" charset="0"/>
-                  <a:buChar char="•"/>
-                </a:pPr>
-                <a:endParaRPr lang="en-CA" dirty="0" smtClean="0">
-                  <a:solidFill>
-                    <a:schemeClr val="accent1">
-                      <a:lumMod val="50000"/>
-                    </a:schemeClr>
-                  </a:solidFill>
-                </a:endParaRPr>
-              </a:p>
-              <a:p>
-                <a:endParaRPr lang="en-CA" dirty="0" smtClean="0">
-                  <a:solidFill>
-                    <a:schemeClr val="accent1">
-                      <a:lumMod val="50000"/>
-                    </a:schemeClr>
-                  </a:solidFill>
-                </a:endParaRPr>
-              </a:p>
-              <a:p>
-                <a:pPr marL="285750" indent="-285750">
-                  <a:buFont typeface="Arial" panose="020B0604020202020204" pitchFamily="34" charset="0"/>
-                  <a:buChar char="•"/>
-                </a:pPr>
-                <a:endParaRPr lang="en-CA" dirty="0" smtClean="0">
-                  <a:solidFill>
-                    <a:schemeClr val="accent1">
-                      <a:lumMod val="50000"/>
-                    </a:schemeClr>
-                  </a:solidFill>
-                </a:endParaRPr>
-              </a:p>
-            </p:txBody>
-          </p:sp>
-        </mc:Choice>
-        <mc:Fallback>
-          <p:sp>
-            <p:nvSpPr>
-              <p:cNvPr id="11" name="ZoneTexte 10"/>
-              <p:cNvSpPr txBox="1">
-                <a:spLocks noRot="1" noChangeAspect="1" noMove="1" noResize="1" noEditPoints="1" noAdjustHandles="1" noChangeArrowheads="1" noChangeShapeType="1" noTextEdit="1"/>
-              </p:cNvSpPr>
-              <p:nvPr/>
-            </p:nvSpPr>
-            <p:spPr>
-              <a:xfrm>
-                <a:off x="9551876" y="529831"/>
-                <a:ext cx="7416824" cy="5903539"/>
-              </a:xfrm>
-              <a:prstGeom prst="rect">
-                <a:avLst/>
-              </a:prstGeom>
-              <a:blipFill>
-                <a:blip r:embed="rId6"/>
-                <a:stretch>
-                  <a:fillRect l="-1808" t="-1343"/>
-                </a:stretch>
-              </a:blipFill>
-            </p:spPr>
-            <p:txBody>
-              <a:bodyPr/>
-              <a:lstStyle/>
-              <a:p>
-                <a:r>
-                  <a:rPr lang="fr-FR">
-                    <a:noFill/>
-                  </a:rPr>
-                  <a:t> </a:t>
-                </a:r>
-              </a:p>
-            </p:txBody>
-          </p:sp>
-        </mc:Fallback>
-      </mc:AlternateContent>
-      <mc:AlternateContent xmlns:mc="http://schemas.openxmlformats.org/markup-compatibility/2006">
-        <mc:Choice xmlns:a14="http://schemas.microsoft.com/office/drawing/2010/main" Requires="a14">
+      <mc:AlternateContent xmlns:mc="http://schemas.openxmlformats.org/markup-compatibility/2006" xmlns:a14="http://schemas.microsoft.com/office/drawing/2010/main">
+        <mc:Choice Requires="a14">
           <p:sp>
             <p:nvSpPr>
               <p:cNvPr id="4" name="Rectangle 3"/>
@@ -10270,7 +8656,7 @@
             </p:txBody>
           </p:sp>
         </mc:Choice>
-        <mc:Fallback>
+        <mc:Fallback xmlns="">
           <p:sp>
             <p:nvSpPr>
               <p:cNvPr id="4" name="Rectangle 3"/>
@@ -10309,8 +8695,8 @@
           </p:sp>
         </mc:Fallback>
       </mc:AlternateContent>
-      <mc:AlternateContent xmlns:mc="http://schemas.openxmlformats.org/markup-compatibility/2006">
-        <mc:Choice xmlns:a14="http://schemas.microsoft.com/office/drawing/2010/main" Requires="a14">
+      <mc:AlternateContent xmlns:mc="http://schemas.openxmlformats.org/markup-compatibility/2006" xmlns:a14="http://schemas.microsoft.com/office/drawing/2010/main">
+        <mc:Choice Requires="a14">
           <p:sp>
             <p:nvSpPr>
               <p:cNvPr id="5" name="Rectangle 4"/>
@@ -10525,7 +8911,7 @@
             </p:txBody>
           </p:sp>
         </mc:Choice>
-        <mc:Fallback>
+        <mc:Fallback xmlns="">
           <p:sp>
             <p:nvSpPr>
               <p:cNvPr id="5" name="Rectangle 4"/>
@@ -10564,8 +8950,8 @@
           </p:sp>
         </mc:Fallback>
       </mc:AlternateContent>
-      <mc:AlternateContent xmlns:mc="http://schemas.openxmlformats.org/markup-compatibility/2006">
-        <mc:Choice xmlns:a14="http://schemas.microsoft.com/office/drawing/2010/main" Requires="a14">
+      <mc:AlternateContent xmlns:mc="http://schemas.openxmlformats.org/markup-compatibility/2006" xmlns:a14="http://schemas.microsoft.com/office/drawing/2010/main">
+        <mc:Choice Requires="a14">
           <p:sp>
             <p:nvSpPr>
               <p:cNvPr id="6" name="Rectangle 5"/>
@@ -11097,7 +9483,7 @@
             </p:txBody>
           </p:sp>
         </mc:Choice>
-        <mc:Fallback>
+        <mc:Fallback xmlns="">
           <p:sp>
             <p:nvSpPr>
               <p:cNvPr id="6" name="Rectangle 5"/>
@@ -11136,8 +9522,8 @@
           </p:sp>
         </mc:Fallback>
       </mc:AlternateContent>
-      <mc:AlternateContent xmlns:mc="http://schemas.openxmlformats.org/markup-compatibility/2006">
-        <mc:Choice xmlns:a14="http://schemas.microsoft.com/office/drawing/2010/main" Requires="a14">
+      <mc:AlternateContent xmlns:mc="http://schemas.openxmlformats.org/markup-compatibility/2006" xmlns:a14="http://schemas.microsoft.com/office/drawing/2010/main">
+        <mc:Choice Requires="a14">
           <p:sp>
             <p:nvSpPr>
               <p:cNvPr id="7" name="Rectangle 6"/>
@@ -11604,7 +9990,7 @@
             </p:txBody>
           </p:sp>
         </mc:Choice>
-        <mc:Fallback>
+        <mc:Fallback xmlns="">
           <p:sp>
             <p:nvSpPr>
               <p:cNvPr id="7" name="Rectangle 6"/>
@@ -11988,8 +10374,8 @@
           </a:p>
         </p:txBody>
       </p:sp>
-      <mc:AlternateContent xmlns:mc="http://schemas.openxmlformats.org/markup-compatibility/2006">
-        <mc:Choice xmlns:a14="http://schemas.microsoft.com/office/drawing/2010/main" Requires="a14">
+      <mc:AlternateContent xmlns:mc="http://schemas.openxmlformats.org/markup-compatibility/2006" xmlns:a14="http://schemas.microsoft.com/office/drawing/2010/main">
+        <mc:Choice Requires="a14">
           <p:sp>
             <p:nvSpPr>
               <p:cNvPr id="4" name="ZoneTexte 3"/>
@@ -12282,7 +10668,7 @@
             </p:txBody>
           </p:sp>
         </mc:Choice>
-        <mc:Fallback>
+        <mc:Fallback xmlns="">
           <p:sp>
             <p:nvSpPr>
               <p:cNvPr id="4" name="ZoneTexte 3"/>
@@ -12321,8 +10707,8 @@
           </p:sp>
         </mc:Fallback>
       </mc:AlternateContent>
-      <mc:AlternateContent xmlns:mc="http://schemas.openxmlformats.org/markup-compatibility/2006">
-        <mc:Choice xmlns:a14="http://schemas.microsoft.com/office/drawing/2010/main" Requires="a14">
+      <mc:AlternateContent xmlns:mc="http://schemas.openxmlformats.org/markup-compatibility/2006" xmlns:a14="http://schemas.microsoft.com/office/drawing/2010/main">
+        <mc:Choice Requires="a14">
           <p:sp>
             <p:nvSpPr>
               <p:cNvPr id="3" name="Rectangle 2"/>
@@ -12629,7 +11015,7 @@
             </p:txBody>
           </p:sp>
         </mc:Choice>
-        <mc:Fallback>
+        <mc:Fallback xmlns="">
           <p:sp>
             <p:nvSpPr>
               <p:cNvPr id="3" name="Rectangle 2"/>
@@ -12668,8 +11054,8 @@
           </p:sp>
         </mc:Fallback>
       </mc:AlternateContent>
-      <mc:AlternateContent xmlns:mc="http://schemas.openxmlformats.org/markup-compatibility/2006">
-        <mc:Choice xmlns:a14="http://schemas.microsoft.com/office/drawing/2010/main" Requires="a14">
+      <mc:AlternateContent xmlns:mc="http://schemas.openxmlformats.org/markup-compatibility/2006" xmlns:a14="http://schemas.microsoft.com/office/drawing/2010/main">
+        <mc:Choice Requires="a14">
           <p:sp>
             <p:nvSpPr>
               <p:cNvPr id="5" name="Rectangle 4"/>
@@ -13095,7 +11481,7 @@
             </p:txBody>
           </p:sp>
         </mc:Choice>
-        <mc:Fallback>
+        <mc:Fallback xmlns="">
           <p:sp>
             <p:nvSpPr>
               <p:cNvPr id="5" name="Rectangle 4"/>
@@ -14905,9 +13291,6 @@
               </a:rPr>
               <a:t> :</a:t>
             </a:r>
-            <a:endParaRPr lang="en-CA" dirty="0">
-              <a:latin typeface="Corbel" panose="020B0503020204020204" pitchFamily="34" charset="0"/>
-            </a:endParaRPr>
           </a:p>
         </p:txBody>
       </p:sp>
@@ -16917,13 +15300,7 @@
               <a:rPr lang="en-CA" dirty="0" smtClean="0">
                 <a:latin typeface="Corbel" panose="020B0503020204020204" pitchFamily="34" charset="0"/>
               </a:rPr>
-              <a:t> </a:t>
-            </a:r>
-            <a:r>
-              <a:rPr lang="en-CA" dirty="0" smtClean="0">
-                <a:latin typeface="Corbel" panose="020B0503020204020204" pitchFamily="34" charset="0"/>
-              </a:rPr>
-              <a:t>initial</a:t>
+              <a:t> initial</a:t>
             </a:r>
           </a:p>
         </p:txBody>
@@ -17845,8 +16222,8 @@
           </a:p>
         </p:txBody>
       </p:sp>
-      <mc:AlternateContent xmlns:mc="http://schemas.openxmlformats.org/markup-compatibility/2006">
-        <mc:Choice xmlns:a14="http://schemas.microsoft.com/office/drawing/2010/main" Requires="a14">
+      <mc:AlternateContent xmlns:mc="http://schemas.openxmlformats.org/markup-compatibility/2006" xmlns:a14="http://schemas.microsoft.com/office/drawing/2010/main">
+        <mc:Choice Requires="a14">
           <p:sp>
             <p:nvSpPr>
               <p:cNvPr id="11" name="ZoneTexte 10"/>
@@ -18242,7 +16619,7 @@
             </p:txBody>
           </p:sp>
         </mc:Choice>
-        <mc:Fallback>
+        <mc:Fallback xmlns="">
           <p:sp>
             <p:nvSpPr>
               <p:cNvPr id="11" name="ZoneTexte 10"/>
@@ -18553,9 +16930,6 @@
               </a:rPr>
               <a:t> pour n plus grand.</a:t>
             </a:r>
-            <a:endParaRPr lang="en-CA" i="1" dirty="0">
-              <a:latin typeface="Corbel" panose="020B0503020204020204" pitchFamily="34" charset="0"/>
-            </a:endParaRPr>
           </a:p>
         </p:txBody>
       </p:sp>
@@ -19117,15 +17491,7 @@
                   <a:srgbClr val="FF0000"/>
                 </a:solidFill>
               </a:rPr>
-              <a:t> </a:t>
-            </a:r>
-            <a:r>
-              <a:rPr lang="en-CA" sz="3200" b="1" dirty="0" smtClean="0">
-                <a:solidFill>
-                  <a:srgbClr val="FF0000"/>
-                </a:solidFill>
-              </a:rPr>
-              <a:t>!</a:t>
+              <a:t> !</a:t>
             </a:r>
             <a:endParaRPr lang="fr-FR" sz="3200" b="1" dirty="0">
               <a:solidFill>
@@ -19363,9 +17729,6 @@
               </a:rPr>
               <a:t> !</a:t>
             </a:r>
-            <a:endParaRPr lang="en-CA" dirty="0">
-              <a:latin typeface="Corbel" panose="020B0503020204020204" pitchFamily="34" charset="0"/>
-            </a:endParaRPr>
           </a:p>
         </p:txBody>
       </p:sp>
@@ -24083,6 +22446,381 @@
 </p:sld>
 </file>
 
+<file path=ppt/slides/slide24.xml><?xml version="1.0" encoding="utf-8"?>
+<p:sld xmlns:a="http://schemas.openxmlformats.org/drawingml/2006/main" xmlns:r="http://schemas.openxmlformats.org/officeDocument/2006/relationships" xmlns:p="http://schemas.openxmlformats.org/presentationml/2006/main">
+  <p:cSld>
+    <p:spTree>
+      <p:nvGrpSpPr>
+        <p:cNvPr id="1" name=""/>
+        <p:cNvGrpSpPr/>
+        <p:nvPr/>
+      </p:nvGrpSpPr>
+      <p:grpSpPr>
+        <a:xfrm>
+          <a:off x="0" y="0"/>
+          <a:ext cx="0" cy="0"/>
+          <a:chOff x="0" y="0"/>
+          <a:chExt cx="0" cy="0"/>
+        </a:xfrm>
+      </p:grpSpPr>
+      <p:sp>
+        <p:nvSpPr>
+          <p:cNvPr id="19" name="Arc 18"/>
+          <p:cNvSpPr/>
+          <p:nvPr/>
+        </p:nvSpPr>
+        <p:spPr>
+          <a:xfrm>
+            <a:off x="-1524000" y="1905000"/>
+            <a:ext cx="3048000" cy="3048000"/>
+          </a:xfrm>
+          <a:prstGeom prst="arc">
+            <a:avLst>
+              <a:gd name="adj1" fmla="val 16200000"/>
+              <a:gd name="adj2" fmla="val 5359794"/>
+            </a:avLst>
+          </a:prstGeom>
+          <a:solidFill>
+            <a:schemeClr val="bg1">
+              <a:lumMod val="95000"/>
+            </a:schemeClr>
+          </a:solidFill>
+          <a:ln>
+            <a:noFill/>
+          </a:ln>
+          <a:effectLst>
+            <a:innerShdw blurRad="304800" dist="50800" dir="18900000">
+              <a:prstClr val="black">
+                <a:alpha val="14000"/>
+              </a:prstClr>
+            </a:innerShdw>
+          </a:effectLst>
+        </p:spPr>
+        <p:style>
+          <a:lnRef idx="2">
+            <a:schemeClr val="accent1">
+              <a:shade val="50000"/>
+            </a:schemeClr>
+          </a:lnRef>
+          <a:fillRef idx="1">
+            <a:schemeClr val="accent1"/>
+          </a:fillRef>
+          <a:effectRef idx="0">
+            <a:schemeClr val="accent1"/>
+          </a:effectRef>
+          <a:fontRef idx="minor">
+            <a:schemeClr val="lt1"/>
+          </a:fontRef>
+        </p:style>
+        <p:txBody>
+          <a:bodyPr rtlCol="0" anchor="ctr"/>
+          <a:lstStyle/>
+          <a:p>
+            <a:pPr algn="ctr"/>
+            <a:endParaRPr lang="fr-FR">
+              <a:solidFill>
+                <a:prstClr val="white"/>
+              </a:solidFill>
+            </a:endParaRPr>
+          </a:p>
+        </p:txBody>
+      </p:sp>
+      <p:cxnSp>
+        <p:nvCxnSpPr>
+          <p:cNvPr id="20" name="Connecteur droit 19"/>
+          <p:cNvCxnSpPr/>
+          <p:nvPr/>
+        </p:nvCxnSpPr>
+        <p:spPr>
+          <a:xfrm>
+            <a:off x="827584" y="861369"/>
+            <a:ext cx="7344816" cy="0"/>
+          </a:xfrm>
+          <a:prstGeom prst="line">
+            <a:avLst/>
+          </a:prstGeom>
+        </p:spPr>
+        <p:style>
+          <a:lnRef idx="1">
+            <a:schemeClr val="accent1"/>
+          </a:lnRef>
+          <a:fillRef idx="0">
+            <a:schemeClr val="accent1"/>
+          </a:fillRef>
+          <a:effectRef idx="0">
+            <a:schemeClr val="accent1"/>
+          </a:effectRef>
+          <a:fontRef idx="minor">
+            <a:schemeClr val="tx1"/>
+          </a:fontRef>
+        </p:style>
+      </p:cxnSp>
+      <p:sp>
+        <p:nvSpPr>
+          <p:cNvPr id="21" name="TextBox 7"/>
+          <p:cNvSpPr txBox="1"/>
+          <p:nvPr/>
+        </p:nvSpPr>
+        <p:spPr>
+          <a:xfrm flipH="1">
+            <a:off x="899592" y="332656"/>
+            <a:ext cx="4583300" cy="646331"/>
+          </a:xfrm>
+          <a:prstGeom prst="rect">
+            <a:avLst/>
+          </a:prstGeom>
+          <a:noFill/>
+        </p:spPr>
+        <p:txBody>
+          <a:bodyPr wrap="square" rtlCol="0">
+            <a:spAutoFit/>
+          </a:bodyPr>
+          <a:lstStyle/>
+          <a:p>
+            <a:pPr>
+              <a:buNone/>
+            </a:pPr>
+            <a:r>
+              <a:rPr lang="fr-FR" sz="3600" dirty="0" smtClean="0">
+                <a:solidFill>
+                  <a:prstClr val="black">
+                    <a:lumMod val="50000"/>
+                    <a:lumOff val="50000"/>
+                  </a:prstClr>
+                </a:solidFill>
+                <a:latin typeface="Corbel" pitchFamily="34" charset="0"/>
+              </a:rPr>
+              <a:t>Conclusion</a:t>
+            </a:r>
+            <a:endParaRPr lang="fr-FR" sz="2200" dirty="0">
+              <a:solidFill>
+                <a:prstClr val="black">
+                  <a:lumMod val="50000"/>
+                  <a:lumOff val="50000"/>
+                </a:prstClr>
+              </a:solidFill>
+              <a:latin typeface="Corbel" pitchFamily="34" charset="0"/>
+            </a:endParaRPr>
+          </a:p>
+        </p:txBody>
+      </p:sp>
+      <p:pic>
+        <p:nvPicPr>
+          <p:cNvPr id="5" name="Image 4"/>
+          <p:cNvPicPr>
+            <a:picLocks noChangeAspect="1"/>
+          </p:cNvPicPr>
+          <p:nvPr/>
+        </p:nvPicPr>
+        <p:blipFill>
+          <a:blip r:embed="rId3">
+            <a:extLst>
+              <a:ext uri="{28A0092B-C50C-407E-A947-70E740481C1C}">
+                <a14:useLocalDpi xmlns:a14="http://schemas.microsoft.com/office/drawing/2010/main" val="0"/>
+              </a:ext>
+            </a:extLst>
+          </a:blip>
+          <a:stretch>
+            <a:fillRect/>
+          </a:stretch>
+        </p:blipFill>
+        <p:spPr>
+          <a:xfrm>
+            <a:off x="35496" y="6053365"/>
+            <a:ext cx="1944216" cy="760011"/>
+          </a:xfrm>
+          <a:prstGeom prst="rect">
+            <a:avLst/>
+          </a:prstGeom>
+        </p:spPr>
+      </p:pic>
+      <p:cxnSp>
+        <p:nvCxnSpPr>
+          <p:cNvPr id="6" name="Connecteur droit 5"/>
+          <p:cNvCxnSpPr/>
+          <p:nvPr/>
+        </p:nvCxnSpPr>
+        <p:spPr>
+          <a:xfrm>
+            <a:off x="2051720" y="6381328"/>
+            <a:ext cx="6840760" cy="0"/>
+          </a:xfrm>
+          <a:prstGeom prst="line">
+            <a:avLst/>
+          </a:prstGeom>
+        </p:spPr>
+        <p:style>
+          <a:lnRef idx="1">
+            <a:schemeClr val="accent1"/>
+          </a:lnRef>
+          <a:fillRef idx="0">
+            <a:schemeClr val="accent1"/>
+          </a:fillRef>
+          <a:effectRef idx="0">
+            <a:schemeClr val="accent1"/>
+          </a:effectRef>
+          <a:fontRef idx="minor">
+            <a:schemeClr val="tx1"/>
+          </a:fontRef>
+        </p:style>
+      </p:cxnSp>
+      <p:sp>
+        <p:nvSpPr>
+          <p:cNvPr id="2" name="Espace réservé du numéro de diapositive 1"/>
+          <p:cNvSpPr>
+            <a:spLocks noGrp="1"/>
+          </p:cNvSpPr>
+          <p:nvPr>
+            <p:ph type="sldNum" sz="quarter" idx="12"/>
+          </p:nvPr>
+        </p:nvSpPr>
+        <p:spPr/>
+        <p:txBody>
+          <a:bodyPr/>
+          <a:lstStyle/>
+          <a:p>
+            <a:fld id="{FA1C692C-4F2D-45F6-A9A8-8A3A8FE27806}" type="slidenum">
+              <a:rPr lang="en-US" smtClean="0"/>
+              <a:pPr/>
+              <a:t>24</a:t>
+            </a:fld>
+            <a:endParaRPr lang="en-US"/>
+          </a:p>
+        </p:txBody>
+      </p:sp>
+      <p:sp>
+        <p:nvSpPr>
+          <p:cNvPr id="4" name="ZoneTexte 3"/>
+          <p:cNvSpPr txBox="1"/>
+          <p:nvPr/>
+        </p:nvSpPr>
+        <p:spPr>
+          <a:xfrm>
+            <a:off x="2617079" y="2767280"/>
+            <a:ext cx="5699337" cy="1323439"/>
+          </a:xfrm>
+          <a:prstGeom prst="rect">
+            <a:avLst/>
+          </a:prstGeom>
+          <a:noFill/>
+        </p:spPr>
+        <p:txBody>
+          <a:bodyPr wrap="square" rtlCol="0">
+            <a:spAutoFit/>
+          </a:bodyPr>
+          <a:lstStyle/>
+          <a:p>
+            <a:r>
+              <a:rPr lang="en-CA" sz="8000" dirty="0" smtClean="0"/>
+              <a:t>Questions ?</a:t>
+            </a:r>
+            <a:endParaRPr lang="fr-FR" sz="8000" dirty="0"/>
+          </a:p>
+        </p:txBody>
+      </p:sp>
+    </p:spTree>
+    <p:extLst>
+      <p:ext uri="{BB962C8B-B14F-4D97-AF65-F5344CB8AC3E}">
+        <p14:creationId xmlns:p14="http://schemas.microsoft.com/office/powerpoint/2010/main" val="2338700948"/>
+      </p:ext>
+    </p:extLst>
+  </p:cSld>
+  <p:clrMapOvr>
+    <a:masterClrMapping/>
+  </p:clrMapOvr>
+  <p:transition/>
+  <p:timing>
+    <p:tnLst>
+      <p:par>
+        <p:cTn id="1" dur="indefinite" restart="never" nodeType="tmRoot">
+          <p:childTnLst>
+            <p:seq concurrent="1" nextAc="seek">
+              <p:cTn id="2" dur="indefinite" nodeType="mainSeq">
+                <p:childTnLst>
+                  <p:par>
+                    <p:cTn id="3" fill="hold">
+                      <p:stCondLst>
+                        <p:cond delay="indefinite"/>
+                        <p:cond evt="onBegin" delay="0">
+                          <p:tn val="2"/>
+                        </p:cond>
+                      </p:stCondLst>
+                      <p:childTnLst>
+                        <p:par>
+                          <p:cTn id="4" fill="hold">
+                            <p:stCondLst>
+                              <p:cond delay="0"/>
+                            </p:stCondLst>
+                            <p:childTnLst>
+                              <p:par>
+                                <p:cTn id="5" presetID="10" presetClass="entr" presetSubtype="0" fill="hold" grpId="0" nodeType="withEffect">
+                                  <p:stCondLst>
+                                    <p:cond delay="0"/>
+                                  </p:stCondLst>
+                                  <p:childTnLst>
+                                    <p:set>
+                                      <p:cBhvr>
+                                        <p:cTn id="6" dur="1" fill="hold">
+                                          <p:stCondLst>
+                                            <p:cond delay="0"/>
+                                          </p:stCondLst>
+                                        </p:cTn>
+                                        <p:tgtEl>
+                                          <p:spTgt spid="21"/>
+                                        </p:tgtEl>
+                                        <p:attrNameLst>
+                                          <p:attrName>style.visibility</p:attrName>
+                                        </p:attrNameLst>
+                                      </p:cBhvr>
+                                      <p:to>
+                                        <p:strVal val="visible"/>
+                                      </p:to>
+                                    </p:set>
+                                    <p:animEffect transition="in" filter="fade">
+                                      <p:cBhvr>
+                                        <p:cTn id="7" dur="500"/>
+                                        <p:tgtEl>
+                                          <p:spTgt spid="21"/>
+                                        </p:tgtEl>
+                                      </p:cBhvr>
+                                    </p:animEffect>
+                                  </p:childTnLst>
+                                </p:cTn>
+                              </p:par>
+                            </p:childTnLst>
+                          </p:cTn>
+                        </p:par>
+                      </p:childTnLst>
+                    </p:cTn>
+                  </p:par>
+                </p:childTnLst>
+              </p:cTn>
+              <p:prevCondLst>
+                <p:cond evt="onPrev" delay="0">
+                  <p:tgtEl>
+                    <p:sldTgt/>
+                  </p:tgtEl>
+                </p:cond>
+              </p:prevCondLst>
+              <p:nextCondLst>
+                <p:cond evt="onNext" delay="0">
+                  <p:tgtEl>
+                    <p:sldTgt/>
+                  </p:tgtEl>
+                </p:cond>
+              </p:nextCondLst>
+            </p:seq>
+          </p:childTnLst>
+        </p:cTn>
+      </p:par>
+    </p:tnLst>
+    <p:bldLst>
+      <p:bldP spid="21" grpId="0"/>
+    </p:bldLst>
+  </p:timing>
+</p:sld>
+</file>
+
 <file path=ppt/slides/slide3.xml><?xml version="1.0" encoding="utf-8"?>
 <p:sld xmlns:a="http://schemas.openxmlformats.org/drawingml/2006/main" xmlns:r="http://schemas.openxmlformats.org/officeDocument/2006/relationships" xmlns:p="http://schemas.openxmlformats.org/presentationml/2006/main">
   <p:cSld>
@@ -25230,7 +23968,7 @@
         </p:blipFill>
         <p:spPr>
           <a:xfrm>
-            <a:off x="1554020" y="2447514"/>
+            <a:off x="827584" y="2310089"/>
             <a:ext cx="7563637" cy="2137324"/>
           </a:xfrm>
           <a:prstGeom prst="rect">
@@ -25676,14 +24414,14 @@
           <p:nvPr>
             <p:extLst>
               <p:ext uri="{D42A27DB-BD31-4B8C-83A1-F6EECF244321}">
-                <p14:modId xmlns:p14="http://schemas.microsoft.com/office/powerpoint/2010/main" val="418933329"/>
+                <p14:modId xmlns:p14="http://schemas.microsoft.com/office/powerpoint/2010/main" val="1062478624"/>
               </p:ext>
             </p:extLst>
           </p:nvPr>
         </p:nvGraphicFramePr>
         <p:xfrm>
-          <a:off x="1475656" y="148971"/>
-          <a:ext cx="7576581" cy="6219868"/>
+          <a:off x="1018020" y="1033737"/>
+          <a:ext cx="7237312" cy="4979737"/>
         </p:xfrm>
         <a:graphic>
           <a:graphicData uri="http://schemas.openxmlformats.org/drawingml/2006/table">
@@ -25692,58 +24430,58 @@
                 <a:tableStyleId>{5C22544A-7EE6-4342-B048-85BDC9FD1C3A}</a:tableStyleId>
               </a:tblPr>
               <a:tblGrid>
-                <a:gridCol w="1511645">
+                <a:gridCol w="1443956">
                   <a:extLst>
                     <a:ext uri="{9D8B030D-6E8A-4147-A177-3AD203B41FA5}">
-                      <a16:colId xmlns:a16="http://schemas.microsoft.com/office/drawing/2014/main" val="3719899675"/>
+                      <a16:colId xmlns:a16="http://schemas.microsoft.com/office/drawing/2014/main" xmlns="" val="3719899675"/>
                     </a:ext>
                   </a:extLst>
                 </a:gridCol>
-                <a:gridCol w="1595625">
+                <a:gridCol w="1524175">
                   <a:extLst>
                     <a:ext uri="{9D8B030D-6E8A-4147-A177-3AD203B41FA5}">
-                      <a16:colId xmlns:a16="http://schemas.microsoft.com/office/drawing/2014/main" val="2848213102"/>
+                      <a16:colId xmlns:a16="http://schemas.microsoft.com/office/drawing/2014/main" xmlns="" val="2848213102"/>
                     </a:ext>
                   </a:extLst>
                 </a:gridCol>
-                <a:gridCol w="1438679">
+                <a:gridCol w="1374257">
                   <a:extLst>
                     <a:ext uri="{9D8B030D-6E8A-4147-A177-3AD203B41FA5}">
-                      <a16:colId xmlns:a16="http://schemas.microsoft.com/office/drawing/2014/main" val="255003472"/>
+                      <a16:colId xmlns:a16="http://schemas.microsoft.com/office/drawing/2014/main" xmlns="" val="255003472"/>
                     </a:ext>
                   </a:extLst>
                 </a:gridCol>
-                <a:gridCol w="1515316">
+                <a:gridCol w="1447462">
                   <a:extLst>
                     <a:ext uri="{9D8B030D-6E8A-4147-A177-3AD203B41FA5}">
-                      <a16:colId xmlns:a16="http://schemas.microsoft.com/office/drawing/2014/main" val="539765228"/>
+                      <a16:colId xmlns:a16="http://schemas.microsoft.com/office/drawing/2014/main" xmlns="" val="539765228"/>
                     </a:ext>
                   </a:extLst>
                 </a:gridCol>
-                <a:gridCol w="1515316">
+                <a:gridCol w="1447462">
                   <a:extLst>
                     <a:ext uri="{9D8B030D-6E8A-4147-A177-3AD203B41FA5}">
-                      <a16:colId xmlns:a16="http://schemas.microsoft.com/office/drawing/2014/main" val="1784356840"/>
+                      <a16:colId xmlns:a16="http://schemas.microsoft.com/office/drawing/2014/main" xmlns="" val="1784356840"/>
                     </a:ext>
                   </a:extLst>
                 </a:gridCol>
               </a:tblGrid>
-              <a:tr h="890581">
+              <a:tr h="681241">
                 <a:tc>
                   <a:txBody>
                     <a:bodyPr/>
                     <a:lstStyle/>
                     <a:p>
                       <a:pPr algn="ctr"/>
-                      <a:endParaRPr lang="fr-FR" dirty="0" smtClean="0"/>
+                      <a:endParaRPr lang="fr-FR" sz="1600" dirty="0" smtClean="0"/>
                     </a:p>
                     <a:p>
                       <a:pPr algn="ctr"/>
                       <a:r>
-                        <a:rPr lang="fr-FR" dirty="0" smtClean="0"/>
+                        <a:rPr lang="fr-FR" sz="1600" dirty="0" smtClean="0"/>
                         <a:t>Application</a:t>
                       </a:r>
-                      <a:endParaRPr lang="fr-FR" dirty="0"/>
+                      <a:endParaRPr lang="fr-FR" sz="1600" dirty="0"/>
                     </a:p>
                   </a:txBody>
                   <a:tcPr/>
@@ -25753,18 +24491,18 @@
                     <a:bodyPr/>
                     <a:lstStyle/>
                     <a:p>
-                      <a:endParaRPr lang="fr-FR" sz="1400" dirty="0" smtClean="0"/>
+                      <a:endParaRPr lang="fr-FR" sz="1200" dirty="0" smtClean="0"/>
                     </a:p>
                     <a:p>
                       <a:r>
-                        <a:rPr lang="fr-FR" sz="1400" dirty="0" smtClean="0"/>
+                        <a:rPr lang="fr-FR" sz="1200" dirty="0" smtClean="0"/>
                         <a:t>Nombre</a:t>
                       </a:r>
                       <a:r>
-                        <a:rPr lang="fr-FR" sz="1400" baseline="0" dirty="0" smtClean="0"/>
+                        <a:rPr lang="fr-FR" sz="1200" baseline="0" dirty="0" smtClean="0"/>
                         <a:t> total de vulnérabilités</a:t>
                       </a:r>
-                      <a:endParaRPr lang="fr-FR" sz="1400" dirty="0"/>
+                      <a:endParaRPr lang="fr-FR" sz="1200" dirty="0"/>
                     </a:p>
                   </a:txBody>
                   <a:tcPr/>
@@ -25775,14 +24513,14 @@
                     <a:lstStyle/>
                     <a:p>
                       <a:r>
-                        <a:rPr lang="fr-FR" sz="1400" dirty="0" smtClean="0"/>
+                        <a:rPr lang="fr-FR" sz="1200" dirty="0" smtClean="0"/>
                         <a:t>Nombre de vulnérabilités</a:t>
                       </a:r>
                       <a:r>
-                        <a:rPr lang="fr-FR" sz="1400" baseline="0" dirty="0" smtClean="0"/>
+                        <a:rPr lang="fr-FR" sz="1200" baseline="0" dirty="0" smtClean="0"/>
                         <a:t> majeures</a:t>
                       </a:r>
-                      <a:endParaRPr lang="fr-FR" sz="1400" dirty="0"/>
+                      <a:endParaRPr lang="fr-FR" sz="1200" dirty="0"/>
                     </a:p>
                   </a:txBody>
                   <a:tcPr/>
@@ -25793,10 +24531,10 @@
                     <a:lstStyle/>
                     <a:p>
                       <a:r>
-                        <a:rPr lang="fr-FR" sz="1400" dirty="0" smtClean="0"/>
+                        <a:rPr lang="fr-FR" sz="1200" dirty="0" smtClean="0"/>
                         <a:t>Nombre de vulnérabilités de catégorie moyenne</a:t>
                       </a:r>
-                      <a:endParaRPr lang="fr-FR" sz="1400" dirty="0"/>
+                      <a:endParaRPr lang="fr-FR" sz="1200" dirty="0"/>
                     </a:p>
                   </a:txBody>
                   <a:tcPr/>
@@ -25807,39 +24545,39 @@
                     <a:lstStyle/>
                     <a:p>
                       <a:r>
-                        <a:rPr lang="fr-FR" sz="1400" dirty="0" smtClean="0"/>
+                        <a:rPr lang="fr-FR" sz="1200" dirty="0" smtClean="0"/>
                         <a:t>Nombre de vulnérabilités</a:t>
                       </a:r>
                       <a:r>
-                        <a:rPr lang="fr-FR" sz="1400" baseline="0" dirty="0" smtClean="0"/>
+                        <a:rPr lang="fr-FR" sz="1200" baseline="0" dirty="0" smtClean="0"/>
                         <a:t> de catégorie faible</a:t>
                       </a:r>
-                      <a:endParaRPr lang="fr-FR" sz="1400" dirty="0"/>
+                      <a:endParaRPr lang="fr-FR" sz="1200" dirty="0"/>
                     </a:p>
                   </a:txBody>
                   <a:tcPr/>
                 </a:tc>
                 <a:extLst>
                   <a:ext uri="{0D108BD9-81ED-4DB2-BD59-A6C34878D82A}">
-                    <a16:rowId xmlns:a16="http://schemas.microsoft.com/office/drawing/2014/main" val="3277408407"/>
+                    <a16:rowId xmlns:a16="http://schemas.microsoft.com/office/drawing/2014/main" xmlns="" val="3277408407"/>
                   </a:ext>
                 </a:extLst>
               </a:tr>
-              <a:tr h="560996">
+              <a:tr h="351562">
                 <a:tc>
                   <a:txBody>
                     <a:bodyPr/>
                     <a:lstStyle/>
                     <a:p>
                       <a:r>
-                        <a:rPr lang="fr-FR" sz="1400" dirty="0" smtClean="0"/>
+                        <a:rPr lang="fr-FR" sz="1200" dirty="0" smtClean="0"/>
                         <a:t>Microsoft Internet</a:t>
                       </a:r>
                       <a:r>
-                        <a:rPr lang="fr-FR" sz="1400" baseline="0" dirty="0" smtClean="0"/>
+                        <a:rPr lang="fr-FR" sz="1200" baseline="0" dirty="0" smtClean="0"/>
                         <a:t> Explorer</a:t>
                       </a:r>
-                      <a:endParaRPr lang="fr-FR" sz="1400" dirty="0"/>
+                      <a:endParaRPr lang="fr-FR" sz="1200" dirty="0"/>
                     </a:p>
                   </a:txBody>
                   <a:tcPr/>
@@ -25851,10 +24589,10 @@
                     <a:p>
                       <a:pPr algn="ctr"/>
                       <a:r>
-                        <a:rPr lang="fr-FR" b="0" dirty="0" smtClean="0"/>
+                        <a:rPr lang="fr-FR" sz="1600" b="0" dirty="0" smtClean="0"/>
                         <a:t>242</a:t>
                       </a:r>
-                      <a:endParaRPr lang="fr-FR" b="0" dirty="0"/>
+                      <a:endParaRPr lang="fr-FR" sz="1600" b="0" dirty="0"/>
                     </a:p>
                   </a:txBody>
                   <a:tcPr/>
@@ -25866,10 +24604,10 @@
                     <a:p>
                       <a:pPr algn="ctr"/>
                       <a:r>
-                        <a:rPr lang="fr-FR" b="0" dirty="0" smtClean="0"/>
+                        <a:rPr lang="fr-FR" sz="1600" b="0" dirty="0" smtClean="0"/>
                         <a:t>240</a:t>
                       </a:r>
-                      <a:endParaRPr lang="fr-FR" b="0" dirty="0"/>
+                      <a:endParaRPr lang="fr-FR" sz="1600" b="0" dirty="0"/>
                     </a:p>
                   </a:txBody>
                   <a:tcPr/>
@@ -25881,10 +24619,10 @@
                     <a:p>
                       <a:pPr algn="ctr"/>
                       <a:r>
-                        <a:rPr lang="fr-FR" b="0" dirty="0" smtClean="0"/>
+                        <a:rPr lang="fr-FR" sz="1600" b="0" dirty="0" smtClean="0"/>
                         <a:t>22</a:t>
                       </a:r>
-                      <a:endParaRPr lang="fr-FR" b="0" dirty="0"/>
+                      <a:endParaRPr lang="fr-FR" sz="1600" b="0" dirty="0"/>
                     </a:p>
                   </a:txBody>
                   <a:tcPr/>
@@ -25896,35 +24634,35 @@
                     <a:p>
                       <a:pPr algn="ctr"/>
                       <a:r>
-                        <a:rPr lang="fr-FR" b="0" dirty="0" smtClean="0"/>
+                        <a:rPr lang="fr-FR" sz="1600" b="0" dirty="0" smtClean="0"/>
                         <a:t>0</a:t>
                       </a:r>
-                      <a:endParaRPr lang="fr-FR" b="0" dirty="0"/>
+                      <a:endParaRPr lang="fr-FR" sz="1600" b="0" dirty="0"/>
                     </a:p>
                   </a:txBody>
                   <a:tcPr/>
                 </a:tc>
                 <a:extLst>
                   <a:ext uri="{0D108BD9-81ED-4DB2-BD59-A6C34878D82A}">
-                    <a16:rowId xmlns:a16="http://schemas.microsoft.com/office/drawing/2014/main" val="4293500625"/>
+                    <a16:rowId xmlns:a16="http://schemas.microsoft.com/office/drawing/2014/main" xmlns="" val="4293500625"/>
                   </a:ext>
                 </a:extLst>
               </a:tr>
-              <a:tr h="360040">
+              <a:tr h="263706">
                 <a:tc>
                   <a:txBody>
                     <a:bodyPr/>
                     <a:lstStyle/>
                     <a:p>
                       <a:r>
-                        <a:rPr lang="fr-FR" sz="1400" dirty="0" smtClean="0"/>
+                        <a:rPr lang="fr-FR" sz="1200" dirty="0" smtClean="0"/>
                         <a:t>Google Chrome</a:t>
                       </a:r>
                       <a:r>
-                        <a:rPr lang="fr-FR" sz="1400" baseline="0" dirty="0" smtClean="0"/>
+                        <a:rPr lang="fr-FR" sz="1200" baseline="0" dirty="0" smtClean="0"/>
                         <a:t> </a:t>
                       </a:r>
-                      <a:endParaRPr lang="fr-FR" sz="1400" dirty="0"/>
+                      <a:endParaRPr lang="fr-FR" sz="1200" dirty="0"/>
                     </a:p>
                   </a:txBody>
                   <a:tcPr/>
@@ -25936,10 +24674,10 @@
                     <a:p>
                       <a:pPr algn="ctr"/>
                       <a:r>
-                        <a:rPr lang="fr-FR" b="0" dirty="0" smtClean="0"/>
+                        <a:rPr lang="fr-FR" sz="1600" b="0" dirty="0" smtClean="0"/>
                         <a:t>124</a:t>
                       </a:r>
-                      <a:endParaRPr lang="fr-FR" b="0" dirty="0"/>
+                      <a:endParaRPr lang="fr-FR" sz="1600" b="0" dirty="0"/>
                     </a:p>
                   </a:txBody>
                   <a:tcPr/>
@@ -25951,10 +24689,10 @@
                     <a:p>
                       <a:pPr algn="ctr"/>
                       <a:r>
-                        <a:rPr lang="fr-FR" b="0" dirty="0" smtClean="0"/>
+                        <a:rPr lang="fr-FR" sz="1600" b="0" dirty="0" smtClean="0"/>
                         <a:t>86</a:t>
                       </a:r>
-                      <a:endParaRPr lang="fr-FR" b="0" dirty="0"/>
+                      <a:endParaRPr lang="fr-FR" sz="1600" b="0" dirty="0"/>
                     </a:p>
                   </a:txBody>
                   <a:tcPr/>
@@ -25966,10 +24704,10 @@
                     <a:p>
                       <a:pPr algn="ctr"/>
                       <a:r>
-                        <a:rPr lang="fr-FR" b="0" dirty="0" smtClean="0"/>
+                        <a:rPr lang="fr-FR" sz="1600" b="0" dirty="0" smtClean="0"/>
                         <a:t>38</a:t>
                       </a:r>
-                      <a:endParaRPr lang="fr-FR" b="0" dirty="0"/>
+                      <a:endParaRPr lang="fr-FR" sz="1600" b="0" dirty="0"/>
                     </a:p>
                   </a:txBody>
                   <a:tcPr/>
@@ -25981,31 +24719,31 @@
                     <a:p>
                       <a:pPr algn="ctr"/>
                       <a:r>
-                        <a:rPr lang="fr-FR" b="0" dirty="0" smtClean="0"/>
+                        <a:rPr lang="fr-FR" sz="1600" b="0" dirty="0" smtClean="0"/>
                         <a:t>0</a:t>
                       </a:r>
-                      <a:endParaRPr lang="fr-FR" b="0" dirty="0"/>
+                      <a:endParaRPr lang="fr-FR" sz="1600" b="0" dirty="0"/>
                     </a:p>
                   </a:txBody>
                   <a:tcPr/>
                 </a:tc>
                 <a:extLst>
                   <a:ext uri="{0D108BD9-81ED-4DB2-BD59-A6C34878D82A}">
-                    <a16:rowId xmlns:a16="http://schemas.microsoft.com/office/drawing/2014/main" val="2751075497"/>
+                    <a16:rowId xmlns:a16="http://schemas.microsoft.com/office/drawing/2014/main" xmlns="" val="2751075497"/>
                   </a:ext>
                 </a:extLst>
               </a:tr>
-              <a:tr h="360040">
+              <a:tr h="263706">
                 <a:tc>
                   <a:txBody>
                     <a:bodyPr/>
                     <a:lstStyle/>
                     <a:p>
                       <a:r>
-                        <a:rPr lang="fr-FR" sz="1400" dirty="0" smtClean="0"/>
+                        <a:rPr lang="fr-FR" sz="1200" dirty="0" smtClean="0"/>
                         <a:t>Mozilla Firefox</a:t>
                       </a:r>
-                      <a:endParaRPr lang="fr-FR" sz="1400" dirty="0"/>
+                      <a:endParaRPr lang="fr-FR" sz="1200" dirty="0"/>
                     </a:p>
                   </a:txBody>
                   <a:tcPr/>
@@ -26017,10 +24755,10 @@
                     <a:p>
                       <a:pPr algn="ctr"/>
                       <a:r>
-                        <a:rPr lang="fr-FR" b="0" dirty="0" smtClean="0"/>
+                        <a:rPr lang="fr-FR" sz="1600" b="0" dirty="0" smtClean="0"/>
                         <a:t>117</a:t>
                       </a:r>
-                      <a:endParaRPr lang="fr-FR" b="0" dirty="0"/>
+                      <a:endParaRPr lang="fr-FR" sz="1600" b="0" dirty="0"/>
                     </a:p>
                   </a:txBody>
                   <a:tcPr/>
@@ -26032,10 +24770,10 @@
                     <a:p>
                       <a:pPr algn="ctr"/>
                       <a:r>
-                        <a:rPr lang="fr-FR" b="0" dirty="0" smtClean="0"/>
+                        <a:rPr lang="fr-FR" sz="1600" b="0" dirty="0" smtClean="0"/>
                         <a:t>57</a:t>
                       </a:r>
-                      <a:endParaRPr lang="fr-FR" b="0" dirty="0"/>
+                      <a:endParaRPr lang="fr-FR" sz="1600" b="0" dirty="0"/>
                     </a:p>
                   </a:txBody>
                   <a:tcPr/>
@@ -26047,10 +24785,10 @@
                     <a:p>
                       <a:pPr algn="ctr"/>
                       <a:r>
-                        <a:rPr lang="fr-FR" b="0" dirty="0" smtClean="0"/>
+                        <a:rPr lang="fr-FR" sz="1600" b="0" dirty="0" smtClean="0"/>
                         <a:t>57</a:t>
                       </a:r>
-                      <a:endParaRPr lang="fr-FR" b="0" dirty="0"/>
+                      <a:endParaRPr lang="fr-FR" sz="1600" b="0" dirty="0"/>
                     </a:p>
                   </a:txBody>
                   <a:tcPr/>
@@ -26062,35 +24800,35 @@
                     <a:p>
                       <a:pPr algn="ctr"/>
                       <a:r>
-                        <a:rPr lang="fr-FR" b="0" dirty="0" smtClean="0"/>
+                        <a:rPr lang="fr-FR" sz="1600" b="0" dirty="0" smtClean="0"/>
                         <a:t>0</a:t>
                       </a:r>
-                      <a:endParaRPr lang="fr-FR" b="0" dirty="0"/>
+                      <a:endParaRPr lang="fr-FR" sz="1600" b="0" dirty="0"/>
                     </a:p>
                   </a:txBody>
                   <a:tcPr/>
                 </a:tc>
                 <a:extLst>
                   <a:ext uri="{0D108BD9-81ED-4DB2-BD59-A6C34878D82A}">
-                    <a16:rowId xmlns:a16="http://schemas.microsoft.com/office/drawing/2014/main" val="1930064055"/>
+                    <a16:rowId xmlns:a16="http://schemas.microsoft.com/office/drawing/2014/main" xmlns="" val="1930064055"/>
                   </a:ext>
                 </a:extLst>
               </a:tr>
-              <a:tr h="492616">
+              <a:tr h="373584">
                 <a:tc>
                   <a:txBody>
                     <a:bodyPr/>
                     <a:lstStyle/>
                     <a:p>
                       <a:r>
-                        <a:rPr lang="fr-FR" sz="1400" dirty="0" smtClean="0"/>
+                        <a:rPr lang="fr-FR" sz="1200" dirty="0" smtClean="0"/>
                         <a:t>Adobe Flash</a:t>
                       </a:r>
                       <a:r>
-                        <a:rPr lang="fr-FR" sz="1400" baseline="0" dirty="0" smtClean="0"/>
+                        <a:rPr lang="fr-FR" sz="1200" baseline="0" dirty="0" smtClean="0"/>
                         <a:t> Player</a:t>
                       </a:r>
-                      <a:endParaRPr lang="fr-FR" sz="1400" dirty="0"/>
+                      <a:endParaRPr lang="fr-FR" sz="1200" dirty="0"/>
                     </a:p>
                   </a:txBody>
                   <a:tcPr/>
@@ -26102,10 +24840,10 @@
                     <a:p>
                       <a:pPr algn="ctr"/>
                       <a:r>
-                        <a:rPr lang="fr-FR" b="0" dirty="0" smtClean="0"/>
+                        <a:rPr lang="fr-FR" sz="1600" b="0" dirty="0" smtClean="0"/>
                         <a:t>76</a:t>
                       </a:r>
-                      <a:endParaRPr lang="fr-FR" b="0" dirty="0"/>
+                      <a:endParaRPr lang="fr-FR" sz="1600" b="0" dirty="0"/>
                     </a:p>
                   </a:txBody>
                   <a:tcPr/>
@@ -26117,10 +24855,10 @@
                     <a:p>
                       <a:pPr algn="ctr"/>
                       <a:r>
-                        <a:rPr lang="fr-FR" b="0" dirty="0" smtClean="0"/>
+                        <a:rPr lang="fr-FR" sz="1600" b="0" dirty="0" smtClean="0"/>
                         <a:t>65</a:t>
                       </a:r>
-                      <a:endParaRPr lang="fr-FR" b="0" dirty="0"/>
+                      <a:endParaRPr lang="fr-FR" sz="1600" b="0" dirty="0"/>
                     </a:p>
                   </a:txBody>
                   <a:tcPr/>
@@ -26132,10 +24870,10 @@
                     <a:p>
                       <a:pPr algn="ctr"/>
                       <a:r>
-                        <a:rPr lang="fr-FR" b="0" dirty="0" smtClean="0"/>
+                        <a:rPr lang="fr-FR" sz="1600" b="0" dirty="0" smtClean="0"/>
                         <a:t>11</a:t>
                       </a:r>
-                      <a:endParaRPr lang="fr-FR" b="0" dirty="0"/>
+                      <a:endParaRPr lang="fr-FR" sz="1600" b="0" dirty="0"/>
                     </a:p>
                   </a:txBody>
                   <a:tcPr/>
@@ -26147,31 +24885,31 @@
                     <a:p>
                       <a:pPr algn="ctr"/>
                       <a:r>
-                        <a:rPr lang="fr-FR" b="0" dirty="0" smtClean="0"/>
+                        <a:rPr lang="fr-FR" sz="1600" b="0" dirty="0" smtClean="0"/>
                         <a:t>0</a:t>
                       </a:r>
-                      <a:endParaRPr lang="fr-FR" b="0" dirty="0"/>
+                      <a:endParaRPr lang="fr-FR" sz="1600" b="0" dirty="0"/>
                     </a:p>
                   </a:txBody>
                   <a:tcPr/>
                 </a:tc>
                 <a:extLst>
                   <a:ext uri="{0D108BD9-81ED-4DB2-BD59-A6C34878D82A}">
-                    <a16:rowId xmlns:a16="http://schemas.microsoft.com/office/drawing/2014/main" val="2995036406"/>
+                    <a16:rowId xmlns:a16="http://schemas.microsoft.com/office/drawing/2014/main" xmlns="" val="2995036406"/>
                   </a:ext>
                 </a:extLst>
               </a:tr>
-              <a:tr h="334496">
+              <a:tr h="263706">
                 <a:tc>
                   <a:txBody>
                     <a:bodyPr/>
                     <a:lstStyle/>
                     <a:p>
                       <a:r>
-                        <a:rPr lang="fr-FR" sz="1400" dirty="0" smtClean="0"/>
+                        <a:rPr lang="fr-FR" sz="1200" dirty="0" smtClean="0"/>
                         <a:t>Oracle Java</a:t>
                       </a:r>
-                      <a:endParaRPr lang="fr-FR" sz="1400" dirty="0"/>
+                      <a:endParaRPr lang="fr-FR" sz="1200" dirty="0"/>
                     </a:p>
                   </a:txBody>
                   <a:tcPr/>
@@ -26183,10 +24921,10 @@
                     <a:p>
                       <a:pPr algn="ctr"/>
                       <a:r>
-                        <a:rPr lang="fr-FR" b="0" dirty="0" smtClean="0"/>
+                        <a:rPr lang="fr-FR" sz="1600" b="0" dirty="0" smtClean="0"/>
                         <a:t>104</a:t>
                       </a:r>
-                      <a:endParaRPr lang="fr-FR" b="0" dirty="0"/>
+                      <a:endParaRPr lang="fr-FR" sz="1600" b="0" dirty="0"/>
                     </a:p>
                   </a:txBody>
                   <a:tcPr/>
@@ -26198,10 +24936,10 @@
                     <a:p>
                       <a:pPr algn="ctr"/>
                       <a:r>
-                        <a:rPr lang="fr-FR" b="0" dirty="0" smtClean="0"/>
+                        <a:rPr lang="fr-FR" sz="1600" b="0" dirty="0" smtClean="0"/>
                         <a:t>50</a:t>
                       </a:r>
-                      <a:endParaRPr lang="fr-FR" b="0" dirty="0"/>
+                      <a:endParaRPr lang="fr-FR" sz="1600" b="0" dirty="0"/>
                     </a:p>
                   </a:txBody>
                   <a:tcPr/>
@@ -26213,10 +24951,10 @@
                     <a:p>
                       <a:pPr algn="ctr"/>
                       <a:r>
-                        <a:rPr lang="fr-FR" b="0" dirty="0" smtClean="0"/>
+                        <a:rPr lang="fr-FR" sz="1600" b="0" dirty="0" smtClean="0"/>
                         <a:t>46</a:t>
                       </a:r>
-                      <a:endParaRPr lang="fr-FR" b="0" dirty="0"/>
+                      <a:endParaRPr lang="fr-FR" sz="1600" b="0" dirty="0"/>
                     </a:p>
                   </a:txBody>
                   <a:tcPr/>
@@ -26228,31 +24966,31 @@
                     <a:p>
                       <a:pPr algn="ctr"/>
                       <a:r>
-                        <a:rPr lang="fr-FR" b="0" dirty="0" smtClean="0"/>
+                        <a:rPr lang="fr-FR" sz="1600" b="0" dirty="0" smtClean="0"/>
                         <a:t>8</a:t>
                       </a:r>
-                      <a:endParaRPr lang="fr-FR" b="0" dirty="0"/>
+                      <a:endParaRPr lang="fr-FR" sz="1600" b="0" dirty="0"/>
                     </a:p>
                   </a:txBody>
                   <a:tcPr/>
                 </a:tc>
                 <a:extLst>
                   <a:ext uri="{0D108BD9-81ED-4DB2-BD59-A6C34878D82A}">
-                    <a16:rowId xmlns:a16="http://schemas.microsoft.com/office/drawing/2014/main" val="3903879622"/>
+                    <a16:rowId xmlns:a16="http://schemas.microsoft.com/office/drawing/2014/main" xmlns="" val="3903879622"/>
                   </a:ext>
                 </a:extLst>
               </a:tr>
-              <a:tr h="472792">
+              <a:tr h="373584">
                 <a:tc>
                   <a:txBody>
                     <a:bodyPr/>
                     <a:lstStyle/>
                     <a:p>
                       <a:r>
-                        <a:rPr lang="fr-FR" sz="1400" dirty="0" smtClean="0"/>
+                        <a:rPr lang="fr-FR" sz="1200" dirty="0" smtClean="0"/>
                         <a:t>Mozilla Thunderbird</a:t>
                       </a:r>
-                      <a:endParaRPr lang="fr-FR" sz="1400" dirty="0"/>
+                      <a:endParaRPr lang="fr-FR" sz="1200" dirty="0"/>
                     </a:p>
                   </a:txBody>
                   <a:tcPr/>
@@ -26264,10 +25002,10 @@
                     <a:p>
                       <a:pPr algn="ctr"/>
                       <a:r>
-                        <a:rPr lang="fr-FR" b="0" dirty="0" smtClean="0"/>
+                        <a:rPr lang="fr-FR" sz="1600" b="0" dirty="0" smtClean="0"/>
                         <a:t>66</a:t>
                       </a:r>
-                      <a:endParaRPr lang="fr-FR" b="0" dirty="0"/>
+                      <a:endParaRPr lang="fr-FR" sz="1600" b="0" dirty="0"/>
                     </a:p>
                   </a:txBody>
                   <a:tcPr/>
@@ -26279,10 +25017,10 @@
                     <a:p>
                       <a:pPr algn="ctr"/>
                       <a:r>
-                        <a:rPr lang="fr-FR" b="0" dirty="0" smtClean="0"/>
+                        <a:rPr lang="fr-FR" sz="1600" b="0" dirty="0" smtClean="0"/>
                         <a:t>36</a:t>
                       </a:r>
-                      <a:endParaRPr lang="fr-FR" b="0" dirty="0"/>
+                      <a:endParaRPr lang="fr-FR" sz="1600" b="0" dirty="0"/>
                     </a:p>
                   </a:txBody>
                   <a:tcPr/>
@@ -26294,10 +25032,10 @@
                     <a:p>
                       <a:pPr algn="ctr"/>
                       <a:r>
-                        <a:rPr lang="fr-FR" b="0" dirty="0" smtClean="0"/>
+                        <a:rPr lang="fr-FR" sz="1600" b="0" dirty="0" smtClean="0"/>
                         <a:t>29</a:t>
                       </a:r>
-                      <a:endParaRPr lang="fr-FR" b="0" dirty="0"/>
+                      <a:endParaRPr lang="fr-FR" sz="1600" b="0" dirty="0"/>
                     </a:p>
                   </a:txBody>
                   <a:tcPr/>
@@ -26309,35 +25047,35 @@
                     <a:p>
                       <a:pPr algn="ctr"/>
                       <a:r>
-                        <a:rPr lang="fr-FR" b="0" dirty="0" smtClean="0"/>
+                        <a:rPr lang="fr-FR" sz="1600" b="0" dirty="0" smtClean="0"/>
                         <a:t>1</a:t>
                       </a:r>
-                      <a:endParaRPr lang="fr-FR" b="0" dirty="0"/>
+                      <a:endParaRPr lang="fr-FR" sz="1600" b="0" dirty="0"/>
                     </a:p>
                   </a:txBody>
                   <a:tcPr/>
                 </a:tc>
                 <a:extLst>
                   <a:ext uri="{0D108BD9-81ED-4DB2-BD59-A6C34878D82A}">
-                    <a16:rowId xmlns:a16="http://schemas.microsoft.com/office/drawing/2014/main" val="569669222"/>
+                    <a16:rowId xmlns:a16="http://schemas.microsoft.com/office/drawing/2014/main" xmlns="" val="569669222"/>
                   </a:ext>
                 </a:extLst>
               </a:tr>
-              <a:tr h="458688">
+              <a:tr h="373584">
                 <a:tc>
                   <a:txBody>
                     <a:bodyPr/>
                     <a:lstStyle/>
                     <a:p>
                       <a:r>
-                        <a:rPr lang="fr-FR" sz="1400" dirty="0" smtClean="0"/>
+                        <a:rPr lang="fr-FR" sz="1200" dirty="0" smtClean="0"/>
                         <a:t>Mozilla</a:t>
                       </a:r>
                       <a:r>
-                        <a:rPr lang="fr-FR" sz="1400" baseline="0" dirty="0" smtClean="0"/>
+                        <a:rPr lang="fr-FR" sz="1200" baseline="0" dirty="0" smtClean="0"/>
                         <a:t> Firefox ESR</a:t>
                       </a:r>
-                      <a:endParaRPr lang="fr-FR" sz="1400" dirty="0"/>
+                      <a:endParaRPr lang="fr-FR" sz="1200" dirty="0"/>
                     </a:p>
                   </a:txBody>
                   <a:tcPr/>
@@ -26349,10 +25087,10 @@
                     <a:p>
                       <a:pPr algn="ctr"/>
                       <a:r>
-                        <a:rPr lang="fr-FR" b="0" dirty="0" smtClean="0"/>
+                        <a:rPr lang="fr-FR" sz="1600" b="0" dirty="0" smtClean="0"/>
                         <a:t>61</a:t>
                       </a:r>
-                      <a:endParaRPr lang="fr-FR" b="0" dirty="0"/>
+                      <a:endParaRPr lang="fr-FR" sz="1600" b="0" dirty="0"/>
                     </a:p>
                   </a:txBody>
                   <a:tcPr/>
@@ -26364,10 +25102,10 @@
                     <a:p>
                       <a:pPr algn="ctr"/>
                       <a:r>
-                        <a:rPr lang="fr-FR" b="0" dirty="0" smtClean="0"/>
+                        <a:rPr lang="fr-FR" sz="1600" b="0" dirty="0" smtClean="0"/>
                         <a:t>35</a:t>
                       </a:r>
-                      <a:endParaRPr lang="fr-FR" b="0" dirty="0"/>
+                      <a:endParaRPr lang="fr-FR" sz="1600" b="0" dirty="0"/>
                     </a:p>
                   </a:txBody>
                   <a:tcPr/>
@@ -26379,10 +25117,10 @@
                     <a:p>
                       <a:pPr algn="ctr"/>
                       <a:r>
-                        <a:rPr lang="fr-FR" b="0" dirty="0" smtClean="0"/>
+                        <a:rPr lang="fr-FR" sz="1600" b="0" dirty="0" smtClean="0"/>
                         <a:t>25</a:t>
                       </a:r>
-                      <a:endParaRPr lang="fr-FR" b="0" dirty="0"/>
+                      <a:endParaRPr lang="fr-FR" sz="1600" b="0" dirty="0"/>
                     </a:p>
                   </a:txBody>
                   <a:tcPr/>
@@ -26394,31 +25132,31 @@
                     <a:p>
                       <a:pPr algn="ctr"/>
                       <a:r>
-                        <a:rPr lang="fr-FR" b="0" dirty="0" smtClean="0"/>
+                        <a:rPr lang="fr-FR" sz="1600" b="0" dirty="0" smtClean="0"/>
                         <a:t>1</a:t>
                       </a:r>
-                      <a:endParaRPr lang="fr-FR" b="0" dirty="0"/>
+                      <a:endParaRPr lang="fr-FR" sz="1600" b="0" dirty="0"/>
                     </a:p>
                   </a:txBody>
                   <a:tcPr/>
                 </a:tc>
                 <a:extLst>
                   <a:ext uri="{0D108BD9-81ED-4DB2-BD59-A6C34878D82A}">
-                    <a16:rowId xmlns:a16="http://schemas.microsoft.com/office/drawing/2014/main" val="2917633153"/>
+                    <a16:rowId xmlns:a16="http://schemas.microsoft.com/office/drawing/2014/main" xmlns="" val="2917633153"/>
                   </a:ext>
                 </a:extLst>
               </a:tr>
-              <a:tr h="228560">
+              <a:tr h="263706">
                 <a:tc>
                   <a:txBody>
                     <a:bodyPr/>
                     <a:lstStyle/>
                     <a:p>
                       <a:r>
-                        <a:rPr lang="fr-FR" sz="1400" dirty="0" smtClean="0"/>
+                        <a:rPr lang="fr-FR" sz="1200" dirty="0" smtClean="0"/>
                         <a:t>Adobe Air </a:t>
                       </a:r>
-                      <a:endParaRPr lang="fr-FR" sz="1400" dirty="0"/>
+                      <a:endParaRPr lang="fr-FR" sz="1200" dirty="0"/>
                     </a:p>
                   </a:txBody>
                   <a:tcPr/>
@@ -26430,10 +25168,10 @@
                     <a:p>
                       <a:pPr algn="ctr"/>
                       <a:r>
-                        <a:rPr lang="fr-FR" b="0" dirty="0" smtClean="0"/>
+                        <a:rPr lang="fr-FR" sz="1600" b="0" dirty="0" smtClean="0"/>
                         <a:t>45</a:t>
                       </a:r>
-                      <a:endParaRPr lang="fr-FR" b="0" dirty="0"/>
+                      <a:endParaRPr lang="fr-FR" sz="1600" b="0" dirty="0"/>
                     </a:p>
                   </a:txBody>
                   <a:tcPr/>
@@ -26445,10 +25183,10 @@
                     <a:p>
                       <a:pPr algn="ctr"/>
                       <a:r>
-                        <a:rPr lang="fr-FR" b="0" dirty="0" smtClean="0"/>
+                        <a:rPr lang="fr-FR" sz="1600" b="0" dirty="0" smtClean="0"/>
                         <a:t>38</a:t>
                       </a:r>
-                      <a:endParaRPr lang="fr-FR" b="0" dirty="0"/>
+                      <a:endParaRPr lang="fr-FR" sz="1600" b="0" dirty="0"/>
                     </a:p>
                   </a:txBody>
                   <a:tcPr/>
@@ -26460,10 +25198,10 @@
                     <a:p>
                       <a:pPr algn="ctr"/>
                       <a:r>
-                        <a:rPr lang="fr-FR" b="0" dirty="0" smtClean="0"/>
+                        <a:rPr lang="fr-FR" sz="1600" b="0" dirty="0" smtClean="0"/>
                         <a:t>7</a:t>
                       </a:r>
-                      <a:endParaRPr lang="fr-FR" b="0" dirty="0"/>
+                      <a:endParaRPr lang="fr-FR" sz="1600" b="0" dirty="0"/>
                     </a:p>
                   </a:txBody>
                   <a:tcPr/>
@@ -26475,31 +25213,31 @@
                     <a:p>
                       <a:pPr algn="ctr"/>
                       <a:r>
-                        <a:rPr lang="fr-FR" b="0" dirty="0" smtClean="0"/>
+                        <a:rPr lang="fr-FR" sz="1600" b="0" dirty="0" smtClean="0"/>
                         <a:t>0</a:t>
                       </a:r>
-                      <a:endParaRPr lang="fr-FR" b="0" dirty="0"/>
+                      <a:endParaRPr lang="fr-FR" sz="1600" b="0" dirty="0"/>
                     </a:p>
                   </a:txBody>
                   <a:tcPr/>
                 </a:tc>
                 <a:extLst>
                   <a:ext uri="{0D108BD9-81ED-4DB2-BD59-A6C34878D82A}">
-                    <a16:rowId xmlns:a16="http://schemas.microsoft.com/office/drawing/2014/main" val="2518737482"/>
+                    <a16:rowId xmlns:a16="http://schemas.microsoft.com/office/drawing/2014/main" xmlns="" val="2518737482"/>
                   </a:ext>
                 </a:extLst>
               </a:tr>
-              <a:tr h="222840">
+              <a:tr h="263706">
                 <a:tc>
                   <a:txBody>
                     <a:bodyPr/>
                     <a:lstStyle/>
                     <a:p>
                       <a:r>
-                        <a:rPr lang="fr-FR" sz="1400" dirty="0" smtClean="0"/>
+                        <a:rPr lang="fr-FR" sz="1200" dirty="0" smtClean="0"/>
                         <a:t>Apple TV</a:t>
                       </a:r>
-                      <a:endParaRPr lang="fr-FR" sz="1400" dirty="0"/>
+                      <a:endParaRPr lang="fr-FR" sz="1200" dirty="0"/>
                     </a:p>
                   </a:txBody>
                   <a:tcPr/>
@@ -26511,10 +25249,10 @@
                     <a:p>
                       <a:pPr algn="ctr"/>
                       <a:r>
-                        <a:rPr lang="fr-FR" b="0" dirty="0" smtClean="0"/>
+                        <a:rPr lang="fr-FR" sz="1600" b="0" dirty="0" smtClean="0"/>
                         <a:t>86</a:t>
                       </a:r>
-                      <a:endParaRPr lang="fr-FR" b="0" dirty="0"/>
+                      <a:endParaRPr lang="fr-FR" sz="1600" b="0" dirty="0"/>
                     </a:p>
                   </a:txBody>
                   <a:tcPr/>
@@ -26526,10 +25264,10 @@
                     <a:p>
                       <a:pPr algn="ctr"/>
                       <a:r>
-                        <a:rPr lang="fr-FR" b="0" dirty="0" smtClean="0"/>
+                        <a:rPr lang="fr-FR" sz="1600" b="0" dirty="0" smtClean="0"/>
                         <a:t>29</a:t>
                       </a:r>
-                      <a:endParaRPr lang="fr-FR" b="0" dirty="0"/>
+                      <a:endParaRPr lang="fr-FR" sz="1600" b="0" dirty="0"/>
                     </a:p>
                   </a:txBody>
                   <a:tcPr/>
@@ -26541,10 +25279,10 @@
                     <a:p>
                       <a:pPr algn="ctr"/>
                       <a:r>
-                        <a:rPr lang="fr-FR" b="0" dirty="0" smtClean="0"/>
+                        <a:rPr lang="fr-FR" sz="1600" b="0" dirty="0" smtClean="0"/>
                         <a:t>49</a:t>
                       </a:r>
-                      <a:endParaRPr lang="fr-FR" b="0" dirty="0"/>
+                      <a:endParaRPr lang="fr-FR" sz="1600" b="0" dirty="0"/>
                     </a:p>
                   </a:txBody>
                   <a:tcPr/>
@@ -26556,35 +25294,35 @@
                     <a:p>
                       <a:pPr algn="ctr"/>
                       <a:r>
-                        <a:rPr lang="fr-FR" b="0" dirty="0" smtClean="0"/>
+                        <a:rPr lang="fr-FR" sz="1600" b="0" dirty="0" smtClean="0"/>
                         <a:t>8</a:t>
                       </a:r>
-                      <a:endParaRPr lang="fr-FR" b="0" dirty="0"/>
+                      <a:endParaRPr lang="fr-FR" sz="1600" b="0" dirty="0"/>
                     </a:p>
                   </a:txBody>
                   <a:tcPr/>
                 </a:tc>
                 <a:extLst>
                   <a:ext uri="{0D108BD9-81ED-4DB2-BD59-A6C34878D82A}">
-                    <a16:rowId xmlns:a16="http://schemas.microsoft.com/office/drawing/2014/main" val="1288794429"/>
+                    <a16:rowId xmlns:a16="http://schemas.microsoft.com/office/drawing/2014/main" xmlns="" val="1288794429"/>
                   </a:ext>
                 </a:extLst>
               </a:tr>
-              <a:tr h="330633">
+              <a:tr h="263706">
                 <a:tc>
                   <a:txBody>
                     <a:bodyPr/>
                     <a:lstStyle/>
                     <a:p>
                       <a:r>
-                        <a:rPr lang="fr-FR" sz="1400" dirty="0" smtClean="0"/>
+                        <a:rPr lang="fr-FR" sz="1200" dirty="0" smtClean="0"/>
                         <a:t>Adobe</a:t>
                       </a:r>
                       <a:r>
-                        <a:rPr lang="fr-FR" sz="1400" baseline="0" dirty="0" smtClean="0"/>
+                        <a:rPr lang="fr-FR" sz="1200" baseline="0" dirty="0" smtClean="0"/>
                         <a:t> Reader</a:t>
                       </a:r>
-                      <a:endParaRPr lang="fr-FR" sz="1400" dirty="0"/>
+                      <a:endParaRPr lang="fr-FR" sz="1200" dirty="0"/>
                     </a:p>
                   </a:txBody>
                   <a:tcPr/>
@@ -26596,10 +25334,10 @@
                     <a:p>
                       <a:pPr algn="ctr"/>
                       <a:r>
-                        <a:rPr lang="fr-FR" b="0" dirty="0" smtClean="0"/>
+                        <a:rPr lang="fr-FR" sz="1600" b="0" dirty="0" smtClean="0"/>
                         <a:t>44</a:t>
                       </a:r>
-                      <a:endParaRPr lang="fr-FR" b="0" dirty="0"/>
+                      <a:endParaRPr lang="fr-FR" sz="1600" b="0" dirty="0"/>
                     </a:p>
                   </a:txBody>
                   <a:tcPr/>
@@ -26611,10 +25349,10 @@
                     <a:p>
                       <a:pPr algn="ctr"/>
                       <a:r>
-                        <a:rPr lang="fr-FR" b="0" dirty="0" smtClean="0"/>
+                        <a:rPr lang="fr-FR" sz="1600" b="0" dirty="0" smtClean="0"/>
                         <a:t>37</a:t>
                       </a:r>
-                      <a:endParaRPr lang="fr-FR" b="0" dirty="0"/>
+                      <a:endParaRPr lang="fr-FR" sz="1600" b="0" dirty="0"/>
                     </a:p>
                   </a:txBody>
                   <a:tcPr/>
@@ -26626,10 +25364,10 @@
                     <a:p>
                       <a:pPr algn="ctr"/>
                       <a:r>
-                        <a:rPr lang="fr-FR" b="0" dirty="0" smtClean="0"/>
+                        <a:rPr lang="fr-FR" sz="1600" b="0" dirty="0" smtClean="0"/>
                         <a:t>7</a:t>
                       </a:r>
-                      <a:endParaRPr lang="fr-FR" b="0" dirty="0"/>
+                      <a:endParaRPr lang="fr-FR" sz="1600" b="0" dirty="0"/>
                     </a:p>
                   </a:txBody>
                   <a:tcPr/>
@@ -26641,31 +25379,31 @@
                     <a:p>
                       <a:pPr algn="ctr"/>
                       <a:r>
-                        <a:rPr lang="fr-FR" b="0" dirty="0" smtClean="0"/>
+                        <a:rPr lang="fr-FR" sz="1600" b="0" dirty="0" smtClean="0"/>
                         <a:t>0</a:t>
                       </a:r>
-                      <a:endParaRPr lang="fr-FR" b="0" dirty="0"/>
+                      <a:endParaRPr lang="fr-FR" sz="1600" b="0" dirty="0"/>
                     </a:p>
                   </a:txBody>
                   <a:tcPr/>
                 </a:tc>
                 <a:extLst>
                   <a:ext uri="{0D108BD9-81ED-4DB2-BD59-A6C34878D82A}">
-                    <a16:rowId xmlns:a16="http://schemas.microsoft.com/office/drawing/2014/main" val="2549027088"/>
+                    <a16:rowId xmlns:a16="http://schemas.microsoft.com/office/drawing/2014/main" xmlns="" val="2549027088"/>
                   </a:ext>
                 </a:extLst>
               </a:tr>
-              <a:tr h="386344">
+              <a:tr h="263706">
                 <a:tc>
                   <a:txBody>
                     <a:bodyPr/>
                     <a:lstStyle/>
                     <a:p>
                       <a:r>
-                        <a:rPr lang="fr-FR" sz="1400" dirty="0" smtClean="0"/>
+                        <a:rPr lang="fr-FR" sz="1200" dirty="0" smtClean="0"/>
                         <a:t>Adobe Acrobat</a:t>
                       </a:r>
-                      <a:endParaRPr lang="fr-FR" sz="1400" dirty="0"/>
+                      <a:endParaRPr lang="fr-FR" sz="1200" dirty="0"/>
                     </a:p>
                   </a:txBody>
                   <a:tcPr/>
@@ -26677,10 +25415,10 @@
                     <a:p>
                       <a:pPr algn="ctr"/>
                       <a:r>
-                        <a:rPr lang="fr-FR" b="0" dirty="0" smtClean="0"/>
+                        <a:rPr lang="fr-FR" sz="1600" b="0" dirty="0" smtClean="0"/>
                         <a:t>43</a:t>
                       </a:r>
-                      <a:endParaRPr lang="fr-FR" b="0" dirty="0"/>
+                      <a:endParaRPr lang="fr-FR" sz="1600" b="0" dirty="0"/>
                     </a:p>
                   </a:txBody>
                   <a:tcPr/>
@@ -26692,10 +25430,10 @@
                     <a:p>
                       <a:pPr algn="ctr"/>
                       <a:r>
-                        <a:rPr lang="fr-FR" b="0" dirty="0" smtClean="0"/>
+                        <a:rPr lang="fr-FR" sz="1600" b="0" dirty="0" smtClean="0"/>
                         <a:t>35</a:t>
                       </a:r>
-                      <a:endParaRPr lang="fr-FR" b="0" dirty="0"/>
+                      <a:endParaRPr lang="fr-FR" sz="1600" b="0" dirty="0"/>
                     </a:p>
                   </a:txBody>
                   <a:tcPr/>
@@ -26707,10 +25445,10 @@
                     <a:p>
                       <a:pPr algn="ctr"/>
                       <a:r>
-                        <a:rPr lang="fr-FR" b="0" dirty="0" smtClean="0"/>
+                        <a:rPr lang="fr-FR" sz="1600" b="0" dirty="0" smtClean="0"/>
                         <a:t>8</a:t>
                       </a:r>
-                      <a:endParaRPr lang="fr-FR" b="0" dirty="0"/>
+                      <a:endParaRPr lang="fr-FR" sz="1600" b="0" dirty="0"/>
                     </a:p>
                   </a:txBody>
                   <a:tcPr/>
@@ -26722,43 +25460,43 @@
                     <a:p>
                       <a:pPr algn="ctr"/>
                       <a:r>
-                        <a:rPr lang="fr-FR" b="0" dirty="0" smtClean="0"/>
+                        <a:rPr lang="fr-FR" sz="1600" b="0" dirty="0" smtClean="0"/>
                         <a:t>0</a:t>
                       </a:r>
-                      <a:endParaRPr lang="fr-FR" b="0" dirty="0"/>
+                      <a:endParaRPr lang="fr-FR" sz="1600" b="0" dirty="0"/>
                     </a:p>
                   </a:txBody>
                   <a:tcPr/>
                 </a:tc>
                 <a:extLst>
                   <a:ext uri="{0D108BD9-81ED-4DB2-BD59-A6C34878D82A}">
-                    <a16:rowId xmlns:a16="http://schemas.microsoft.com/office/drawing/2014/main" val="1725100174"/>
+                    <a16:rowId xmlns:a16="http://schemas.microsoft.com/office/drawing/2014/main" xmlns="" val="1725100174"/>
                   </a:ext>
                 </a:extLst>
               </a:tr>
-              <a:tr h="578608">
+              <a:tr h="373584">
                 <a:tc>
                   <a:txBody>
                     <a:bodyPr/>
                     <a:lstStyle/>
                     <a:p>
                       <a:r>
-                        <a:rPr lang="fr-FR" sz="1400" dirty="0" smtClean="0"/>
+                        <a:rPr lang="fr-FR" sz="1200" dirty="0" smtClean="0"/>
                         <a:t>Mozilla</a:t>
                       </a:r>
                       <a:r>
-                        <a:rPr lang="fr-FR" sz="1400" baseline="0" dirty="0" smtClean="0"/>
+                        <a:rPr lang="fr-FR" sz="1200" baseline="0" dirty="0" smtClean="0"/>
                         <a:t> </a:t>
                       </a:r>
                       <a:r>
-                        <a:rPr lang="fr-FR" sz="1400" baseline="0" dirty="0" err="1" smtClean="0"/>
+                        <a:rPr lang="fr-FR" sz="1200" baseline="0" dirty="0" err="1" smtClean="0"/>
                         <a:t>SeaMonkey</a:t>
                       </a:r>
                       <a:r>
-                        <a:rPr lang="fr-FR" sz="1400" baseline="0" dirty="0" smtClean="0"/>
+                        <a:rPr lang="fr-FR" sz="1200" baseline="0" dirty="0" smtClean="0"/>
                         <a:t> </a:t>
                       </a:r>
-                      <a:endParaRPr lang="fr-FR" sz="1400" dirty="0"/>
+                      <a:endParaRPr lang="fr-FR" sz="1200" dirty="0"/>
                     </a:p>
                   </a:txBody>
                   <a:tcPr/>
@@ -26770,10 +25508,10 @@
                     <a:p>
                       <a:pPr algn="ctr"/>
                       <a:r>
-                        <a:rPr lang="fr-FR" b="0" dirty="0" smtClean="0"/>
+                        <a:rPr lang="fr-FR" sz="1600" b="0" dirty="0" smtClean="0"/>
                         <a:t>63</a:t>
                       </a:r>
-                      <a:endParaRPr lang="fr-FR" b="0" dirty="0"/>
+                      <a:endParaRPr lang="fr-FR" sz="1600" b="0" dirty="0"/>
                     </a:p>
                   </a:txBody>
                   <a:tcPr/>
@@ -26785,10 +25523,10 @@
                     <a:p>
                       <a:pPr algn="ctr"/>
                       <a:r>
-                        <a:rPr lang="fr-FR" b="0" dirty="0" smtClean="0"/>
+                        <a:rPr lang="fr-FR" sz="1600" b="0" dirty="0" smtClean="0"/>
                         <a:t>28</a:t>
                       </a:r>
-                      <a:endParaRPr lang="fr-FR" b="0" dirty="0"/>
+                      <a:endParaRPr lang="fr-FR" sz="1600" b="0" dirty="0"/>
                     </a:p>
                   </a:txBody>
                   <a:tcPr/>
@@ -26800,10 +25538,10 @@
                     <a:p>
                       <a:pPr algn="ctr"/>
                       <a:r>
-                        <a:rPr lang="fr-FR" b="0" dirty="0" smtClean="0"/>
+                        <a:rPr lang="fr-FR" sz="1600" b="0" dirty="0" smtClean="0"/>
                         <a:t>34</a:t>
                       </a:r>
-                      <a:endParaRPr lang="fr-FR" b="0" dirty="0"/>
+                      <a:endParaRPr lang="fr-FR" sz="1600" b="0" dirty="0"/>
                     </a:p>
                   </a:txBody>
                   <a:tcPr/>
@@ -26815,17 +25553,17 @@
                     <a:p>
                       <a:pPr algn="ctr"/>
                       <a:r>
-                        <a:rPr lang="fr-FR" b="0" dirty="0" smtClean="0"/>
+                        <a:rPr lang="fr-FR" sz="1600" b="0" dirty="0" smtClean="0"/>
                         <a:t>1</a:t>
                       </a:r>
-                      <a:endParaRPr lang="fr-FR" b="0" dirty="0"/>
+                      <a:endParaRPr lang="fr-FR" sz="1600" b="0" dirty="0"/>
                     </a:p>
                   </a:txBody>
                   <a:tcPr/>
                 </a:tc>
                 <a:extLst>
                   <a:ext uri="{0D108BD9-81ED-4DB2-BD59-A6C34878D82A}">
-                    <a16:rowId xmlns:a16="http://schemas.microsoft.com/office/drawing/2014/main" val="2913552985"/>
+                    <a16:rowId xmlns:a16="http://schemas.microsoft.com/office/drawing/2014/main" xmlns="" val="2913552985"/>
                   </a:ext>
                 </a:extLst>
               </a:tr>
@@ -28671,23 +27409,8 @@
                 </a:solidFill>
                 <a:latin typeface="Corbel" panose="020B0503020204020204" pitchFamily="34" charset="0"/>
               </a:rPr>
-              <a:t> </a:t>
-            </a:r>
-            <a:r>
-              <a:rPr lang="en-CA" sz="2000" dirty="0" smtClean="0">
-                <a:solidFill>
-                  <a:srgbClr val="FF0000"/>
-                </a:solidFill>
-                <a:latin typeface="Corbel" panose="020B0503020204020204" pitchFamily="34" charset="0"/>
-              </a:rPr>
-              <a:t>:</a:t>
-            </a:r>
-            <a:endParaRPr lang="en-CA" sz="2000" dirty="0" smtClean="0">
-              <a:solidFill>
-                <a:srgbClr val="FF0000"/>
-              </a:solidFill>
-              <a:latin typeface="Corbel" panose="020B0503020204020204" pitchFamily="34" charset="0"/>
-            </a:endParaRPr>
+              <a:t> :</a:t>
+            </a:r>
           </a:p>
         </p:txBody>
       </p:sp>
@@ -28738,15 +27461,6 @@
               </a:rPr>
               <a:t> :</a:t>
             </a:r>
-            <a:endParaRPr lang="en-CA" sz="2000" dirty="0" smtClean="0">
-              <a:solidFill>
-                <a:schemeClr val="tx2">
-                  <a:lumMod val="60000"/>
-                  <a:lumOff val="40000"/>
-                </a:schemeClr>
-              </a:solidFill>
-              <a:latin typeface="Corbel" panose="020B0503020204020204" pitchFamily="34" charset="0"/>
-            </a:endParaRPr>
           </a:p>
         </p:txBody>
       </p:sp>
@@ -28802,12 +27516,6 @@
               </a:rPr>
               <a:t>:</a:t>
             </a:r>
-            <a:endParaRPr lang="en-CA" sz="2000" dirty="0" smtClean="0">
-              <a:solidFill>
-                <a:srgbClr val="92D050"/>
-              </a:solidFill>
-              <a:latin typeface="Corbel" panose="020B0503020204020204" pitchFamily="34" charset="0"/>
-            </a:endParaRPr>
           </a:p>
         </p:txBody>
       </p:sp>
@@ -28850,94 +27558,8 @@
                 </a:solidFill>
                 <a:latin typeface="Corbel" panose="020B0503020204020204" pitchFamily="34" charset="0"/>
               </a:rPr>
-              <a:t> </a:t>
-            </a:r>
-            <a:r>
-              <a:rPr lang="en-CA" sz="2000" dirty="0" smtClean="0">
-                <a:solidFill>
-                  <a:srgbClr val="FF0000"/>
-                </a:solidFill>
-                <a:latin typeface="Corbel" panose="020B0503020204020204" pitchFamily="34" charset="0"/>
-              </a:rPr>
-              <a:t>:</a:t>
-            </a:r>
-            <a:endParaRPr lang="en-CA" sz="2000" dirty="0" smtClean="0">
-              <a:solidFill>
-                <a:srgbClr val="FF0000"/>
-              </a:solidFill>
-              <a:latin typeface="Corbel" panose="020B0503020204020204" pitchFamily="34" charset="0"/>
-            </a:endParaRPr>
-          </a:p>
-        </p:txBody>
-      </p:sp>
-      <p:sp>
-        <p:nvSpPr>
-          <p:cNvPr id="49" name="ZoneTexte 48"/>
-          <p:cNvSpPr txBox="1"/>
-          <p:nvPr/>
-        </p:nvSpPr>
-        <p:spPr>
-          <a:xfrm>
-            <a:off x="1594039" y="2983390"/>
-            <a:ext cx="2441352" cy="400110"/>
-          </a:xfrm>
-          <a:prstGeom prst="rect">
-            <a:avLst/>
-          </a:prstGeom>
-          <a:noFill/>
-        </p:spPr>
-        <p:txBody>
-          <a:bodyPr wrap="square" rtlCol="0">
-            <a:spAutoFit/>
-          </a:bodyPr>
-          <a:lstStyle/>
-          <a:p>
-            <a:pPr algn="ctr"/>
-            <a:r>
-              <a:rPr lang="en-CA" sz="2000" u="sng" dirty="0" err="1" smtClean="0">
-                <a:solidFill>
-                  <a:schemeClr val="tx2">
-                    <a:lumMod val="60000"/>
-                    <a:lumOff val="40000"/>
-                  </a:schemeClr>
-                </a:solidFill>
-                <a:latin typeface="Corbel" panose="020B0503020204020204" pitchFamily="34" charset="0"/>
-              </a:rPr>
-              <a:t>Défenseur</a:t>
-            </a:r>
-            <a:r>
-              <a:rPr lang="en-CA" sz="2000" dirty="0" smtClean="0">
-                <a:solidFill>
-                  <a:schemeClr val="tx2">
-                    <a:lumMod val="60000"/>
-                    <a:lumOff val="40000"/>
-                  </a:schemeClr>
-                </a:solidFill>
-                <a:latin typeface="Corbel" panose="020B0503020204020204" pitchFamily="34" charset="0"/>
-              </a:rPr>
-              <a:t> </a:t>
-            </a:r>
-            <a:r>
-              <a:rPr lang="en-CA" sz="2000" dirty="0" smtClean="0">
-                <a:solidFill>
-                  <a:schemeClr val="tx2">
-                    <a:lumMod val="60000"/>
-                    <a:lumOff val="40000"/>
-                  </a:schemeClr>
-                </a:solidFill>
-                <a:latin typeface="Corbel" panose="020B0503020204020204" pitchFamily="34" charset="0"/>
-              </a:rPr>
-              <a:t>:</a:t>
-            </a:r>
-            <a:endParaRPr lang="en-CA" sz="2000" dirty="0" smtClean="0">
-              <a:solidFill>
-                <a:schemeClr val="tx2">
-                  <a:lumMod val="60000"/>
-                  <a:lumOff val="40000"/>
-                </a:schemeClr>
-              </a:solidFill>
-              <a:latin typeface="Corbel" panose="020B0503020204020204" pitchFamily="34" charset="0"/>
-            </a:endParaRPr>
+              <a:t> :</a:t>
+            </a:r>
           </a:p>
         </p:txBody>
       </p:sp>
@@ -29039,30 +27661,117 @@
           </a:p>
         </p:txBody>
       </p:sp>
-      <p:sp>
-        <p:nvSpPr>
-          <p:cNvPr id="4" name="Rectangle 3"/>
-          <p:cNvSpPr/>
+      <p:grpSp>
+        <p:nvGrpSpPr>
+          <p:cNvPr id="8" name="Groupe 7"/>
+          <p:cNvGrpSpPr/>
           <p:nvPr/>
-        </p:nvSpPr>
-        <p:spPr>
+        </p:nvGrpSpPr>
+        <p:grpSpPr>
           <a:xfrm>
-            <a:off x="465294" y="3311073"/>
-            <a:ext cx="4572000" cy="369332"/>
+            <a:off x="544052" y="3143667"/>
+            <a:ext cx="4572000" cy="697015"/>
+            <a:chOff x="465294" y="2983390"/>
+            <a:chExt cx="4572000" cy="697015"/>
           </a:xfrm>
-          <a:prstGeom prst="rect">
-            <a:avLst/>
-          </a:prstGeom>
-        </p:spPr>
-        <p:txBody>
-          <a:bodyPr>
-            <a:spAutoFit/>
-          </a:bodyPr>
-          <a:lstStyle/>
-          <a:p>
-            <a:pPr algn="ctr"/>
-            <a:r>
-              <a:rPr lang="en-CA" i="1" dirty="0">
+        </p:grpSpPr>
+        <p:sp>
+          <p:nvSpPr>
+            <p:cNvPr id="49" name="ZoneTexte 48"/>
+            <p:cNvSpPr txBox="1"/>
+            <p:nvPr/>
+          </p:nvSpPr>
+          <p:spPr>
+            <a:xfrm>
+              <a:off x="1594039" y="2983390"/>
+              <a:ext cx="2441352" cy="400110"/>
+            </a:xfrm>
+            <a:prstGeom prst="rect">
+              <a:avLst/>
+            </a:prstGeom>
+            <a:noFill/>
+          </p:spPr>
+          <p:txBody>
+            <a:bodyPr wrap="square" rtlCol="0">
+              <a:spAutoFit/>
+            </a:bodyPr>
+            <a:lstStyle/>
+            <a:p>
+              <a:pPr algn="ctr"/>
+              <a:r>
+                <a:rPr lang="en-CA" sz="2000" u="sng" dirty="0" err="1" smtClean="0">
+                  <a:solidFill>
+                    <a:schemeClr val="tx2">
+                      <a:lumMod val="60000"/>
+                      <a:lumOff val="40000"/>
+                    </a:schemeClr>
+                  </a:solidFill>
+                  <a:latin typeface="Corbel" panose="020B0503020204020204" pitchFamily="34" charset="0"/>
+                </a:rPr>
+                <a:t>Défenseur</a:t>
+              </a:r>
+              <a:r>
+                <a:rPr lang="en-CA" sz="2000" dirty="0" smtClean="0">
+                  <a:solidFill>
+                    <a:schemeClr val="tx2">
+                      <a:lumMod val="60000"/>
+                      <a:lumOff val="40000"/>
+                    </a:schemeClr>
+                  </a:solidFill>
+                  <a:latin typeface="Corbel" panose="020B0503020204020204" pitchFamily="34" charset="0"/>
+                </a:rPr>
+                <a:t> :</a:t>
+              </a:r>
+            </a:p>
+          </p:txBody>
+        </p:sp>
+        <p:sp>
+          <p:nvSpPr>
+            <p:cNvPr id="4" name="Rectangle 3"/>
+            <p:cNvSpPr/>
+            <p:nvPr/>
+          </p:nvSpPr>
+          <p:spPr>
+            <a:xfrm>
+              <a:off x="465294" y="3311073"/>
+              <a:ext cx="4572000" cy="369332"/>
+            </a:xfrm>
+            <a:prstGeom prst="rect">
+              <a:avLst/>
+            </a:prstGeom>
+          </p:spPr>
+          <p:txBody>
+            <a:bodyPr>
+              <a:spAutoFit/>
+            </a:bodyPr>
+            <a:lstStyle/>
+            <a:p>
+              <a:pPr algn="ctr"/>
+              <a:r>
+                <a:rPr lang="en-CA" i="1" dirty="0">
+                  <a:solidFill>
+                    <a:schemeClr val="tx2">
+                      <a:lumMod val="60000"/>
+                      <a:lumOff val="40000"/>
+                    </a:schemeClr>
+                  </a:solidFill>
+                  <a:latin typeface="Corbel" panose="020B0503020204020204" pitchFamily="34" charset="0"/>
+                </a:rPr>
+                <a:t>Pas de </a:t>
+              </a:r>
+              <a:r>
+                <a:rPr lang="en-CA" i="1" dirty="0" err="1" smtClean="0">
+                  <a:solidFill>
+                    <a:schemeClr val="tx2">
+                      <a:lumMod val="60000"/>
+                      <a:lumOff val="40000"/>
+                    </a:schemeClr>
+                  </a:solidFill>
+                  <a:latin typeface="Corbel" panose="020B0503020204020204" pitchFamily="34" charset="0"/>
+                </a:rPr>
+                <a:t>défense</a:t>
+              </a:r>
+              <a:endParaRPr lang="en-CA" i="1" dirty="0">
                 <a:solidFill>
                   <a:schemeClr val="tx2">
                     <a:lumMod val="60000"/>
@@ -29070,33 +27779,11 @@
                   </a:schemeClr>
                 </a:solidFill>
                 <a:latin typeface="Corbel" panose="020B0503020204020204" pitchFamily="34" charset="0"/>
-              </a:rPr>
-              <a:t>Pas de </a:t>
-            </a:r>
-            <a:r>
-              <a:rPr lang="en-CA" i="1" dirty="0" err="1" smtClean="0">
-                <a:solidFill>
-                  <a:schemeClr val="tx2">
-                    <a:lumMod val="60000"/>
-                    <a:lumOff val="40000"/>
-                  </a:schemeClr>
-                </a:solidFill>
-                <a:latin typeface="Corbel" panose="020B0503020204020204" pitchFamily="34" charset="0"/>
-              </a:rPr>
-              <a:t>défense</a:t>
-            </a:r>
-            <a:endParaRPr lang="en-CA" i="1" dirty="0">
-              <a:solidFill>
-                <a:schemeClr val="tx2">
-                  <a:lumMod val="60000"/>
-                  <a:lumOff val="40000"/>
-                </a:schemeClr>
-              </a:solidFill>
-              <a:latin typeface="Corbel" panose="020B0503020204020204" pitchFamily="34" charset="0"/>
-            </a:endParaRPr>
-          </a:p>
-        </p:txBody>
-      </p:sp>
+              </a:endParaRPr>
+            </a:p>
+          </p:txBody>
+        </p:sp>
+      </p:grpSp>
       <p:sp>
         <p:nvSpPr>
           <p:cNvPr id="6" name="Rectangle 5"/>
@@ -29106,7 +27793,7 @@
         <p:spPr>
           <a:xfrm>
             <a:off x="5093125" y="4073545"/>
-            <a:ext cx="4572000" cy="923330"/>
+            <a:ext cx="4572000" cy="954107"/>
           </a:xfrm>
           <a:prstGeom prst="rect">
             <a:avLst/>
@@ -29129,7 +27816,7 @@
                 </a:solidFill>
                 <a:latin typeface="Corbel" panose="020B0503020204020204" pitchFamily="34" charset="0"/>
               </a:rPr>
-              <a:t>Machines,</a:t>
+              <a:t>Machines</a:t>
             </a:r>
           </a:p>
           <a:p>
@@ -29138,13 +27825,13 @@
               <a:buChar char="•"/>
             </a:pPr>
             <a:r>
-              <a:rPr lang="en-CA" i="1" dirty="0">
+              <a:rPr lang="en-CA" i="1" dirty="0" err="1" smtClean="0">
                 <a:solidFill>
                   <a:srgbClr val="92D050"/>
                 </a:solidFill>
                 <a:latin typeface="Corbel" panose="020B0503020204020204" pitchFamily="34" charset="0"/>
               </a:rPr>
-              <a:t>V</a:t>
+              <a:t>Topologie</a:t>
             </a:r>
             <a:r>
               <a:rPr lang="en-CA" i="1" dirty="0" smtClean="0">
@@ -29153,7 +27840,7 @@
                 </a:solidFill>
                 <a:latin typeface="Corbel" panose="020B0503020204020204" pitchFamily="34" charset="0"/>
               </a:rPr>
-              <a:t>ersions des </a:t>
+              <a:t> </a:t>
             </a:r>
             <a:r>
               <a:rPr lang="en-CA" i="1" dirty="0" err="1" smtClean="0">
@@ -29162,7 +27849,7 @@
                 </a:solidFill>
                 <a:latin typeface="Corbel" panose="020B0503020204020204" pitchFamily="34" charset="0"/>
               </a:rPr>
-              <a:t>logiciels</a:t>
+              <a:t>réseau</a:t>
             </a:r>
             <a:endParaRPr lang="en-CA" i="1" dirty="0" smtClean="0">
               <a:solidFill>
@@ -29177,42 +27864,33 @@
               <a:buChar char="•"/>
             </a:pPr>
             <a:r>
-              <a:rPr lang="en-CA" i="1" dirty="0" smtClean="0">
+              <a:rPr lang="en-CA" sz="2000" b="1" i="1" dirty="0">
                 <a:solidFill>
                   <a:srgbClr val="92D050"/>
                 </a:solidFill>
                 <a:latin typeface="Corbel" panose="020B0503020204020204" pitchFamily="34" charset="0"/>
               </a:rPr>
-              <a:t>Liens </a:t>
-            </a:r>
-            <a:r>
-              <a:rPr lang="en-CA" i="1" dirty="0">
+              <a:t>V</a:t>
+            </a:r>
+            <a:r>
+              <a:rPr lang="en-CA" sz="2000" b="1" i="1" dirty="0" smtClean="0">
                 <a:solidFill>
                   <a:srgbClr val="92D050"/>
                 </a:solidFill>
                 <a:latin typeface="Corbel" panose="020B0503020204020204" pitchFamily="34" charset="0"/>
               </a:rPr>
-              <a:t>entre </a:t>
-            </a:r>
-            <a:r>
-              <a:rPr lang="en-CA" i="1" dirty="0" err="1" smtClean="0">
+              <a:t>ersions des </a:t>
+            </a:r>
+            <a:r>
+              <a:rPr lang="en-CA" sz="2000" b="1" i="1" dirty="0" err="1" smtClean="0">
                 <a:solidFill>
                   <a:srgbClr val="92D050"/>
                 </a:solidFill>
                 <a:latin typeface="Corbel" panose="020B0503020204020204" pitchFamily="34" charset="0"/>
               </a:rPr>
-              <a:t>celles</a:t>
-            </a:r>
-            <a:r>
-              <a:rPr lang="en-CA" i="1" dirty="0" smtClean="0">
-                <a:solidFill>
-                  <a:srgbClr val="92D050"/>
-                </a:solidFill>
-                <a:latin typeface="Corbel" panose="020B0503020204020204" pitchFamily="34" charset="0"/>
-              </a:rPr>
-              <a:t>-ci</a:t>
-            </a:r>
-            <a:endParaRPr lang="fr-FR" i="1" dirty="0">
+              <a:t>logiciels</a:t>
+            </a:r>
+            <a:endParaRPr lang="en-CA" sz="2000" b="1" i="1" dirty="0" smtClean="0">
               <a:solidFill>
                 <a:srgbClr val="92D050"/>
               </a:solidFill>
@@ -30103,6 +28781,12 @@
 </file>
 
 <file path=customXml/item1.xml><?xml version="1.0" encoding="utf-8"?>
+<Control xmlns="http://schemas.microsoft.com/VisualStudio/2011/storyboarding/control">
+  <Id Name="d26725c2-522a-4984-badb-51135c9f8cab" Revision="1" Stencil="System.MyShapes" StencilVersion="1.0"/>
+</Control>
+</file>
+
+<file path=customXml/item2.xml><?xml version="1.0" encoding="utf-8"?>
 <?mso-contentType ?>
 <FormTemplates xmlns="http://schemas.microsoft.com/sharepoint/v3/contenttype/forms">
   <Display>DocumentLibraryForm</Display>
@@ -30111,24 +28795,18 @@
 </FormTemplates>
 </file>
 
-<file path=customXml/item2.xml><?xml version="1.0" encoding="utf-8"?>
-<Control xmlns="http://schemas.microsoft.com/VisualStudio/2011/storyboarding/control">
-  <Id Name="d26725c2-522a-4984-badb-51135c9f8cab" Revision="1" Stencil="System.MyShapes" StencilVersion="1.0"/>
-</Control>
+<file path=customXml/itemProps1.xml><?xml version="1.0" encoding="utf-8"?>
+<ds:datastoreItem xmlns:ds="http://schemas.openxmlformats.org/officeDocument/2006/customXml" ds:itemID="{8EA85305-AA79-4866-B2E0-899525C4A5BE}">
+  <ds:schemaRefs>
+    <ds:schemaRef ds:uri="http://schemas.microsoft.com/VisualStudio/2011/storyboarding/control"/>
+  </ds:schemaRefs>
+</ds:datastoreItem>
 </file>
 
-<file path=customXml/itemProps1.xml><?xml version="1.0" encoding="utf-8"?>
+<file path=customXml/itemProps2.xml><?xml version="1.0" encoding="utf-8"?>
 <ds:datastoreItem xmlns:ds="http://schemas.openxmlformats.org/officeDocument/2006/customXml" ds:itemID="{5E519BB6-FA83-4C7A-A5C3-FEA49DBE1C3F}">
   <ds:schemaRefs>
     <ds:schemaRef ds:uri="http://schemas.microsoft.com/sharepoint/v3/contenttype/forms"/>
   </ds:schemaRefs>
 </ds:datastoreItem>
-</file>
-
-<file path=customXml/itemProps2.xml><?xml version="1.0" encoding="utf-8"?>
-<ds:datastoreItem xmlns:ds="http://schemas.openxmlformats.org/officeDocument/2006/customXml" ds:itemID="{8EA85305-AA79-4866-B2E0-899525C4A5BE}">
-  <ds:schemaRefs>
-    <ds:schemaRef ds:uri="http://schemas.microsoft.com/VisualStudio/2011/storyboarding/control"/>
-  </ds:schemaRefs>
-</ds:datastoreItem>
 </file>